--- a/Planungspraesentation-Mitte Juni/Planungspräsentation VálaKathi. 1.pptx
+++ b/Planungspraesentation-Mitte Juni/Planungspräsentation VálaKathi. 1.pptx
@@ -121,7 +121,7 @@
   </p:defaultTextStyle>
   <p:extLst>
     <p:ext uri="{EFAFB233-063F-42B5-8137-9DF3F51BA10A}">
-      <p15:sldGuideLst xmlns="" xmlns:p15="http://schemas.microsoft.com/office/powerpoint/2012/main">
+      <p15:sldGuideLst xmlns:p15="http://schemas.microsoft.com/office/powerpoint/2012/main">
         <p15:guide id="1" orient="horz" pos="2160">
           <p15:clr>
             <a:srgbClr val="A4A3A4"/>
@@ -220,7 +220,7 @@
           <a:p>
             <a:fld id="{B4FF162B-CE6F-6948-9E4E-CF339F017EF0}" type="datetime1">
               <a:rPr lang="de-DE" smtClean="0"/>
-              <a:t>28.06.15</a:t>
+              <a:t>30.06.2015</a:t>
             </a:fld>
             <a:endParaRPr lang="de-DE"/>
           </a:p>
@@ -386,7 +386,7 @@
           <a:p>
             <a:fld id="{F8F687C1-49B9-FC43-A5F5-4E2CAE8623DA}" type="datetime1">
               <a:rPr lang="de-DE" smtClean="0"/>
-              <a:t>28.06.15</a:t>
+              <a:t>30.06.2015</a:t>
             </a:fld>
             <a:endParaRPr lang="de-DE"/>
           </a:p>
@@ -920,7 +920,7 @@
           <a:p>
             <a:fld id="{1DACE3BB-339C-AD47-A52D-662320F7C205}" type="datetime1">
               <a:rPr lang="de-DE" smtClean="0"/>
-              <a:t>28.06.15</a:t>
+              <a:t>30.06.2015</a:t>
             </a:fld>
             <a:endParaRPr lang="de-DE"/>
           </a:p>
@@ -1090,7 +1090,7 @@
           <a:p>
             <a:fld id="{F42559F4-B3EB-344D-B633-69F007223D30}" type="datetime1">
               <a:rPr lang="de-DE" smtClean="0"/>
-              <a:t>28.06.15</a:t>
+              <a:t>30.06.2015</a:t>
             </a:fld>
             <a:endParaRPr lang="de-DE"/>
           </a:p>
@@ -1270,7 +1270,7 @@
           <a:p>
             <a:fld id="{42AF2205-F992-9F41-987F-7238F8B9F0B5}" type="datetime1">
               <a:rPr lang="de-DE" smtClean="0"/>
-              <a:t>28.06.15</a:t>
+              <a:t>30.06.2015</a:t>
             </a:fld>
             <a:endParaRPr lang="de-DE"/>
           </a:p>
@@ -1440,7 +1440,7 @@
           <a:p>
             <a:fld id="{FF84A754-A284-FB40-B909-6C25294AD20F}" type="datetime1">
               <a:rPr lang="de-DE" smtClean="0"/>
-              <a:t>28.06.15</a:t>
+              <a:t>30.06.2015</a:t>
             </a:fld>
             <a:endParaRPr lang="de-DE"/>
           </a:p>
@@ -1686,7 +1686,7 @@
           <a:p>
             <a:fld id="{CA605955-6352-BD4C-B0F3-ECEE8C6EE720}" type="datetime1">
               <a:rPr lang="de-DE" smtClean="0"/>
-              <a:t>28.06.15</a:t>
+              <a:t>30.06.2015</a:t>
             </a:fld>
             <a:endParaRPr lang="de-DE"/>
           </a:p>
@@ -1974,7 +1974,7 @@
           <a:p>
             <a:fld id="{C86AEEF6-0385-0844-9861-D3417F6C1E98}" type="datetime1">
               <a:rPr lang="de-DE" smtClean="0"/>
-              <a:t>28.06.15</a:t>
+              <a:t>30.06.2015</a:t>
             </a:fld>
             <a:endParaRPr lang="de-DE"/>
           </a:p>
@@ -2396,7 +2396,7 @@
           <a:p>
             <a:fld id="{84A495D8-31AC-6141-A708-923E383D2969}" type="datetime1">
               <a:rPr lang="de-DE" smtClean="0"/>
-              <a:t>28.06.15</a:t>
+              <a:t>30.06.2015</a:t>
             </a:fld>
             <a:endParaRPr lang="de-DE"/>
           </a:p>
@@ -2514,7 +2514,7 @@
           <a:p>
             <a:fld id="{6B9BBFBE-94A6-EE41-BDE2-C36DF8BDD6AC}" type="datetime1">
               <a:rPr lang="de-DE" smtClean="0"/>
-              <a:t>28.06.15</a:t>
+              <a:t>30.06.2015</a:t>
             </a:fld>
             <a:endParaRPr lang="de-DE"/>
           </a:p>
@@ -2609,7 +2609,7 @@
           <a:p>
             <a:fld id="{8A3BDDF1-32E1-AA48-AD7E-B28DB9397AA4}" type="datetime1">
               <a:rPr lang="de-DE" smtClean="0"/>
-              <a:t>28.06.15</a:t>
+              <a:t>30.06.2015</a:t>
             </a:fld>
             <a:endParaRPr lang="de-DE"/>
           </a:p>
@@ -2886,7 +2886,7 @@
           <a:p>
             <a:fld id="{BF30ED29-63A2-654D-9D7C-1CB6D6E00183}" type="datetime1">
               <a:rPr lang="de-DE" smtClean="0"/>
-              <a:t>28.06.15</a:t>
+              <a:t>30.06.2015</a:t>
             </a:fld>
             <a:endParaRPr lang="de-DE"/>
           </a:p>
@@ -3139,7 +3139,7 @@
           <a:p>
             <a:fld id="{4FB359BF-9004-C740-93E9-376A57F77EA5}" type="datetime1">
               <a:rPr lang="de-DE" smtClean="0"/>
-              <a:t>28.06.15</a:t>
+              <a:t>30.06.2015</a:t>
             </a:fld>
             <a:endParaRPr lang="de-DE"/>
           </a:p>
@@ -3352,7 +3352,7 @@
           <a:p>
             <a:fld id="{88615D7D-6342-384A-A16F-53E369E57F7B}" type="datetime1">
               <a:rPr lang="de-DE" smtClean="0"/>
-              <a:t>28.06.15</a:t>
+              <a:t>30.06.2015</a:t>
             </a:fld>
             <a:endParaRPr lang="de-DE"/>
           </a:p>
@@ -4828,7 +4828,7 @@
             <p:ph idx="1"/>
             <p:extLst>
               <p:ext uri="{D42A27DB-BD31-4B8C-83A1-F6EECF244321}">
-                <p14:modId xmlns:p14="http://schemas.microsoft.com/office/powerpoint/2010/main" val="4162589113"/>
+                <p14:modId xmlns:p14="http://schemas.microsoft.com/office/powerpoint/2010/main" val="3772294196"/>
               </p:ext>
             </p:extLst>
           </p:nvPr>
@@ -4943,29 +4943,36 @@
                     <a:p>
                       <a:r>
                         <a:rPr lang="de-DE" dirty="0" smtClean="0"/>
-                        <a:t>-Spielwelt</a:t>
-                      </a:r>
-                    </a:p>
-                    <a:p>
-                      <a:r>
-                        <a:rPr lang="de-DE" dirty="0" smtClean="0"/>
-                        <a:t>-Kamera</a:t>
-                      </a:r>
-                    </a:p>
-                    <a:p>
-                      <a:r>
-                        <a:rPr lang="de-DE" dirty="0" smtClean="0"/>
-                        <a:t>-Licht/Schatten</a:t>
-                      </a:r>
-                    </a:p>
-                    <a:p>
-                      <a:r>
-                        <a:rPr lang="de-DE" dirty="0" smtClean="0"/>
-                        <a:t>-Essen</a:t>
+                        <a:t>-  Spielwelt</a:t>
+                      </a:r>
+                      <a:endParaRPr lang="de-DE" dirty="0" smtClean="0"/>
+                    </a:p>
+                    <a:p>
+                      <a:r>
+                        <a:rPr lang="de-DE" dirty="0" smtClean="0"/>
+                        <a:t>-  Kamera</a:t>
+                      </a:r>
+                      <a:endParaRPr lang="de-DE" dirty="0" smtClean="0"/>
+                    </a:p>
+                    <a:p>
+                      <a:r>
+                        <a:rPr lang="de-DE" dirty="0" smtClean="0"/>
+                        <a:t>-  Licht/Schatten</a:t>
+                      </a:r>
+                      <a:endParaRPr lang="de-DE" dirty="0" smtClean="0"/>
+                    </a:p>
+                    <a:p>
+                      <a:r>
+                        <a:rPr lang="de-DE" dirty="0" smtClean="0"/>
+                        <a:t>-  Essen</a:t>
                       </a:r>
                       <a:r>
                         <a:rPr lang="de-DE" baseline="0" dirty="0" smtClean="0"/>
-                        <a:t> erscheint </a:t>
+                        <a:t> </a:t>
+                      </a:r>
+                      <a:r>
+                        <a:rPr lang="de-DE" baseline="0" dirty="0" smtClean="0"/>
+                        <a:t>erscheint </a:t>
                       </a:r>
                       <a:endParaRPr lang="de-DE" dirty="0"/>
                     </a:p>
@@ -4979,11 +4986,23 @@
                     <a:p>
                       <a:r>
                         <a:rPr lang="de-DE" dirty="0" smtClean="0"/>
-                        <a:t>- Navigation/Steuerung</a:t>
+                        <a:t>-  Navigation/</a:t>
+                      </a:r>
+                    </a:p>
+                    <a:p>
+                      <a:r>
+                        <a:rPr lang="de-DE" dirty="0" smtClean="0"/>
+                        <a:t>   Steuerung</a:t>
                       </a:r>
                       <a:r>
                         <a:rPr lang="de-DE" baseline="0" dirty="0" smtClean="0"/>
-                        <a:t> eines Würfels </a:t>
+                        <a:t> eines</a:t>
+                      </a:r>
+                    </a:p>
+                    <a:p>
+                      <a:r>
+                        <a:rPr lang="de-DE" baseline="0" dirty="0" smtClean="0"/>
+                        <a:t>   Würfels </a:t>
                       </a:r>
                       <a:endParaRPr lang="de-DE" dirty="0"/>
                     </a:p>
@@ -5082,13 +5101,7 @@
                         <a:rPr lang="de-DE" dirty="0" smtClean="0">
                           <a:effectLst/>
                         </a:rPr>
-                        <a:t> .</a:t>
-                      </a:r>
-                      <a:r>
-                        <a:rPr lang="de-DE" dirty="0" smtClean="0">
-                          <a:effectLst/>
-                        </a:rPr>
-                        <a:t>2015</a:t>
+                        <a:t> .2015</a:t>
                       </a:r>
                     </a:p>
                     <a:p>
@@ -5106,9 +5119,6 @@
                         </a:rPr>
                         <a:t>2.Teil</a:t>
                       </a:r>
-                      <a:endParaRPr lang="de-DE" dirty="0" smtClean="0">
-                        <a:effectLst/>
-                      </a:endParaRPr>
                     </a:p>
                     <a:p>
                       <a:r>
@@ -5147,8 +5157,27 @@
                       </a:r>
                       <a:r>
                         <a:rPr lang="de-DE" dirty="0" smtClean="0"/>
-                        <a:t> zählen/begrenzen</a:t>
-                      </a:r>
+                        <a:t> </a:t>
+                      </a:r>
+                      <a:r>
+                        <a:rPr lang="de-DE" dirty="0" smtClean="0"/>
+                        <a:t>zählen/</a:t>
+                      </a:r>
+                    </a:p>
+                    <a:p>
+                      <a:pPr marL="0" indent="0">
+                        <a:buFontTx/>
+                        <a:buNone/>
+                      </a:pPr>
+                      <a:r>
+                        <a:rPr lang="de-DE" baseline="0" dirty="0" smtClean="0"/>
+                        <a:t>      </a:t>
+                      </a:r>
+                      <a:r>
+                        <a:rPr lang="de-DE" dirty="0" smtClean="0"/>
+                        <a:t>begrenzen</a:t>
+                      </a:r>
+                      <a:endParaRPr lang="de-DE" dirty="0" smtClean="0"/>
                     </a:p>
                     <a:p>
                       <a:pPr marL="285750" indent="-285750">
@@ -5190,7 +5219,7 @@
                         <a:buChar char="-"/>
                       </a:pPr>
                       <a:r>
-                        <a:rPr lang="de-DE" dirty="0" err="1" smtClean="0"/>
+                        <a:rPr lang="de-DE" dirty="0" smtClean="0"/>
                         <a:t>Highscore</a:t>
                       </a:r>
                       <a:r>
@@ -5284,18 +5313,22 @@
                     <a:p>
                       <a:r>
                         <a:rPr lang="de-DE" dirty="0" smtClean="0"/>
-                        <a:t>-Level</a:t>
+                        <a:t>-   Level</a:t>
                       </a:r>
                       <a:r>
                         <a:rPr lang="de-DE" baseline="0" dirty="0" smtClean="0"/>
-                        <a:t> 1,6</a:t>
+                        <a:t> </a:t>
+                      </a:r>
+                      <a:r>
+                        <a:rPr lang="de-DE" baseline="0" dirty="0" smtClean="0"/>
+                        <a:t>1,6</a:t>
                       </a:r>
                       <a:endParaRPr lang="de-DE" dirty="0" smtClean="0"/>
                     </a:p>
                     <a:p>
                       <a:r>
                         <a:rPr lang="de-DE" dirty="0" smtClean="0"/>
-                        <a:t>-Bugfixing/</a:t>
+                        <a:t>-   Bugfixing/</a:t>
                       </a:r>
                       <a:r>
                         <a:rPr lang="de-DE" dirty="0" err="1" smtClean="0"/>
@@ -5313,18 +5346,22 @@
                     <a:p>
                       <a:r>
                         <a:rPr lang="de-DE" dirty="0" smtClean="0"/>
-                        <a:t>-Level</a:t>
+                        <a:t>-   Level</a:t>
                       </a:r>
                       <a:r>
                         <a:rPr lang="de-DE" baseline="0" dirty="0" smtClean="0"/>
-                        <a:t> 2,5</a:t>
+                        <a:t> </a:t>
+                      </a:r>
+                      <a:r>
+                        <a:rPr lang="de-DE" baseline="0" dirty="0" smtClean="0"/>
+                        <a:t>2,5</a:t>
                       </a:r>
                       <a:endParaRPr lang="de-DE" dirty="0" smtClean="0"/>
                     </a:p>
                     <a:p>
                       <a:r>
                         <a:rPr lang="de-DE" dirty="0" smtClean="0"/>
-                        <a:t>-Bugfixing </a:t>
+                        <a:t>-   Bugfixing </a:t>
                       </a:r>
                       <a:endParaRPr lang="de-DE" dirty="0"/>
                     </a:p>
@@ -5338,18 +5375,30 @@
                     <a:p>
                       <a:r>
                         <a:rPr lang="de-DE" dirty="0" smtClean="0"/>
-                        <a:t>- Level</a:t>
+                        <a:t>- </a:t>
+                      </a:r>
+                      <a:r>
+                        <a:rPr lang="de-DE" dirty="0" smtClean="0"/>
+                        <a:t>  Level</a:t>
                       </a:r>
                       <a:r>
                         <a:rPr lang="de-DE" baseline="0" dirty="0" smtClean="0"/>
-                        <a:t> 3,4</a:t>
+                        <a:t> </a:t>
+                      </a:r>
+                      <a:r>
+                        <a:rPr lang="de-DE" baseline="0" dirty="0" smtClean="0"/>
+                        <a:t>3,4</a:t>
                       </a:r>
                       <a:endParaRPr lang="de-DE" dirty="0" smtClean="0"/>
                     </a:p>
                     <a:p>
                       <a:r>
                         <a:rPr lang="de-DE" dirty="0" smtClean="0"/>
-                        <a:t>- Bugfixing</a:t>
+                        <a:t>- </a:t>
+                      </a:r>
+                      <a:r>
+                        <a:rPr lang="de-DE" dirty="0" smtClean="0"/>
+                        <a:t>  Bugfixing</a:t>
                       </a:r>
                       <a:r>
                         <a:rPr lang="de-DE" baseline="0" dirty="0" smtClean="0"/>
@@ -5458,7 +5507,7 @@
         </p:nvGraphicFramePr>
         <p:xfrm>
           <a:off x="457200" y="1600200"/>
-          <a:ext cx="8229600" cy="4033519"/>
+          <a:ext cx="8229600" cy="4033520"/>
         </p:xfrm>
         <a:graphic>
           <a:graphicData uri="http://schemas.openxmlformats.org/drawingml/2006/table">
@@ -5725,13 +5774,8 @@
                     <a:p>
                       <a:r>
                         <a:rPr lang="de-DE" baseline="0" dirty="0" smtClean="0"/>
-                        <a:t>-Konzept </a:t>
-                      </a:r>
-                      <a:r>
-                        <a:rPr lang="de-DE" baseline="0" dirty="0" err="1" smtClean="0"/>
-                        <a:t>Highscore</a:t>
-                      </a:r>
-                      <a:endParaRPr lang="de-DE" baseline="0" dirty="0" smtClean="0"/>
+                        <a:t>-Konzept Highscore</a:t>
+                      </a:r>
                     </a:p>
                     <a:p>
                       <a:endParaRPr lang="de-DE" dirty="0"/>
@@ -5817,13 +5861,8 @@
                       </a:r>
                       <a:r>
                         <a:rPr lang="de-DE" baseline="0" dirty="0" smtClean="0"/>
-                        <a:t> </a:t>
-                      </a:r>
-                      <a:r>
-                        <a:rPr lang="de-DE" baseline="0" dirty="0" err="1" smtClean="0"/>
-                        <a:t>Highscore</a:t>
-                      </a:r>
-                      <a:endParaRPr lang="de-DE" baseline="0" dirty="0" smtClean="0"/>
+                        <a:t> Highscore</a:t>
+                      </a:r>
                     </a:p>
                     <a:p>
                       <a:r>
@@ -5965,14 +6004,14 @@
             <p:ph idx="1"/>
             <p:extLst>
               <p:ext uri="{D42A27DB-BD31-4B8C-83A1-F6EECF244321}">
-                <p14:modId xmlns:p14="http://schemas.microsoft.com/office/powerpoint/2010/main" val="3227275157"/>
+                <p14:modId xmlns:p14="http://schemas.microsoft.com/office/powerpoint/2010/main" val="2184316949"/>
               </p:ext>
             </p:extLst>
           </p:nvPr>
         </p:nvGraphicFramePr>
         <p:xfrm>
           <a:off x="658426" y="1600200"/>
-          <a:ext cx="7812309" cy="2666999"/>
+          <a:ext cx="7812309" cy="3215640"/>
         </p:xfrm>
         <a:graphic>
           <a:graphicData uri="http://schemas.openxmlformats.org/drawingml/2006/table">
@@ -6135,7 +6174,11 @@
                     <a:p>
                       <a:r>
                         <a:rPr lang="de-DE" baseline="0" dirty="0" smtClean="0"/>
-                        <a:t> zur Gameinteraktion </a:t>
+                        <a:t> zum Spielfeld und der Schlange (</a:t>
+                      </a:r>
+                      <a:r>
+                        <a:rPr lang="de-DE" baseline="0" dirty="0" smtClean="0"/>
+                        <a:t>Grundgerüst und Spielfigur)</a:t>
                       </a:r>
                       <a:endParaRPr lang="de-DE" dirty="0"/>
                     </a:p>
@@ -6390,14 +6433,14 @@
             <p:ph idx="1"/>
             <p:extLst>
               <p:ext uri="{D42A27DB-BD31-4B8C-83A1-F6EECF244321}">
-                <p14:modId xmlns:p14="http://schemas.microsoft.com/office/powerpoint/2010/main" val="2158902424"/>
+                <p14:modId xmlns:p14="http://schemas.microsoft.com/office/powerpoint/2010/main" val="3013584268"/>
               </p:ext>
             </p:extLst>
           </p:nvPr>
         </p:nvGraphicFramePr>
         <p:xfrm>
           <a:off x="457200" y="1600200"/>
-          <a:ext cx="8229600" cy="3942079"/>
+          <a:ext cx="8229600" cy="3942080"/>
         </p:xfrm>
         <a:graphic>
           <a:graphicData uri="http://schemas.openxmlformats.org/drawingml/2006/table">
@@ -6533,7 +6576,25 @@
                     <a:p>
                       <a:r>
                         <a:rPr lang="de-DE" dirty="0" smtClean="0"/>
-                        <a:t>Erste Programmierung der Steuerung</a:t>
+                        <a:t>Erste Programmierung der </a:t>
+                      </a:r>
+                      <a:r>
+                        <a:rPr lang="de-DE" dirty="0" smtClean="0"/>
+                        <a:t>Steuerung</a:t>
+                      </a:r>
+                    </a:p>
+                    <a:p>
+                      <a:r>
+                        <a:rPr lang="de-DE" dirty="0" smtClean="0"/>
+                        <a:t>(Mit Würfel</a:t>
+                      </a:r>
+                      <a:r>
+                        <a:rPr lang="de-DE" baseline="0" dirty="0" smtClean="0"/>
+                        <a:t> als Versuchsobjekt</a:t>
+                      </a:r>
+                      <a:r>
+                        <a:rPr lang="de-DE" dirty="0" smtClean="0"/>
+                        <a:t>)</a:t>
                       </a:r>
                       <a:endParaRPr lang="de-DE" dirty="0"/>
                     </a:p>
@@ -6638,8 +6699,8 @@
                         <a:t>- Erste Überlegungen zum High </a:t>
                       </a:r>
                       <a:r>
-                        <a:rPr lang="de-DE" dirty="0" err="1" smtClean="0"/>
-                        <a:t>Scoure</a:t>
+                        <a:rPr lang="de-DE" dirty="0" smtClean="0"/>
+                        <a:t>Score</a:t>
                       </a:r>
                       <a:endParaRPr lang="de-DE" dirty="0"/>
                     </a:p>
@@ -6855,7 +6916,7 @@
         </p:nvGraphicFramePr>
         <p:xfrm>
           <a:off x="457200" y="1600200"/>
-          <a:ext cx="8229600" cy="2666999"/>
+          <a:ext cx="8229600" cy="2667000"/>
         </p:xfrm>
         <a:graphic>
           <a:graphicData uri="http://schemas.openxmlformats.org/drawingml/2006/table">

--- a/Planungspraesentation-Mitte Juni/Planungspräsentation VálaKathi. 1.pptx
+++ b/Planungspraesentation-Mitte Juni/Planungspräsentation VálaKathi. 1.pptx
@@ -5,22 +5,17 @@
     <p:sldMasterId id="2147483648" r:id="rId1"/>
   </p:sldMasterIdLst>
   <p:notesMasterIdLst>
-    <p:notesMasterId r:id="rId12"/>
+    <p:notesMasterId r:id="rId7"/>
   </p:notesMasterIdLst>
   <p:handoutMasterIdLst>
-    <p:handoutMasterId r:id="rId13"/>
+    <p:handoutMasterId r:id="rId8"/>
   </p:handoutMasterIdLst>
   <p:sldIdLst>
-    <p:sldId id="256" r:id="rId2"/>
-    <p:sldId id="257" r:id="rId3"/>
-    <p:sldId id="258" r:id="rId4"/>
-    <p:sldId id="259" r:id="rId5"/>
-    <p:sldId id="270" r:id="rId6"/>
-    <p:sldId id="266" r:id="rId7"/>
-    <p:sldId id="267" r:id="rId8"/>
-    <p:sldId id="268" r:id="rId9"/>
-    <p:sldId id="269" r:id="rId10"/>
-    <p:sldId id="264" r:id="rId11"/>
+    <p:sldId id="257" r:id="rId2"/>
+    <p:sldId id="258" r:id="rId3"/>
+    <p:sldId id="259" r:id="rId4"/>
+    <p:sldId id="270" r:id="rId5"/>
+    <p:sldId id="264" r:id="rId6"/>
   </p:sldIdLst>
   <p:sldSz cx="9144000" cy="6858000" type="screen4x3"/>
   <p:notesSz cx="6858000" cy="9144000"/>
@@ -653,90 +648,6 @@
     </a:lvl9pPr>
   </p:notesStyle>
 </p:notesMaster>
-</file>
-
-<file path=ppt/notesSlides/notesSlide1.xml><?xml version="1.0" encoding="utf-8"?>
-<p:notes xmlns:a="http://schemas.openxmlformats.org/drawingml/2006/main" xmlns:r="http://schemas.openxmlformats.org/officeDocument/2006/relationships" xmlns:p="http://schemas.openxmlformats.org/presentationml/2006/main">
-  <p:cSld>
-    <p:spTree>
-      <p:nvGrpSpPr>
-        <p:cNvPr id="1" name=""/>
-        <p:cNvGrpSpPr/>
-        <p:nvPr/>
-      </p:nvGrpSpPr>
-      <p:grpSpPr>
-        <a:xfrm>
-          <a:off x="0" y="0"/>
-          <a:ext cx="0" cy="0"/>
-          <a:chOff x="0" y="0"/>
-          <a:chExt cx="0" cy="0"/>
-        </a:xfrm>
-      </p:grpSpPr>
-      <p:sp>
-        <p:nvSpPr>
-          <p:cNvPr id="2" name="Folienbildplatzhalter 1"/>
-          <p:cNvSpPr>
-            <a:spLocks noGrp="1" noRot="1" noChangeAspect="1"/>
-          </p:cNvSpPr>
-          <p:nvPr>
-            <p:ph type="sldImg"/>
-          </p:nvPr>
-        </p:nvSpPr>
-        <p:spPr/>
-      </p:sp>
-      <p:sp>
-        <p:nvSpPr>
-          <p:cNvPr id="3" name="Notizenplatzhalter 2"/>
-          <p:cNvSpPr>
-            <a:spLocks noGrp="1"/>
-          </p:cNvSpPr>
-          <p:nvPr>
-            <p:ph type="body" idx="1"/>
-          </p:nvPr>
-        </p:nvSpPr>
-        <p:spPr/>
-        <p:txBody>
-          <a:bodyPr/>
-          <a:lstStyle/>
-          <a:p>
-            <a:endParaRPr lang="de-DE"/>
-          </a:p>
-        </p:txBody>
-      </p:sp>
-      <p:sp>
-        <p:nvSpPr>
-          <p:cNvPr id="4" name="Foliennummernplatzhalter 3"/>
-          <p:cNvSpPr>
-            <a:spLocks noGrp="1"/>
-          </p:cNvSpPr>
-          <p:nvPr>
-            <p:ph type="sldNum" sz="quarter" idx="10"/>
-          </p:nvPr>
-        </p:nvSpPr>
-        <p:spPr/>
-        <p:txBody>
-          <a:bodyPr/>
-          <a:lstStyle/>
-          <a:p>
-            <a:fld id="{AF7B9960-EC2C-6449-9F14-086D8D920967}" type="slidenum">
-              <a:rPr lang="de-DE" smtClean="0"/>
-              <a:t>1</a:t>
-            </a:fld>
-            <a:endParaRPr lang="de-DE"/>
-          </a:p>
-        </p:txBody>
-      </p:sp>
-    </p:spTree>
-    <p:extLst>
-      <p:ext uri="{BB962C8B-B14F-4D97-AF65-F5344CB8AC3E}">
-        <p14:creationId xmlns:p14="http://schemas.microsoft.com/office/powerpoint/2010/main" val="1547191454"/>
-      </p:ext>
-    </p:extLst>
-  </p:cSld>
-  <p:clrMapOvr>
-    <a:masterClrMapping/>
-  </p:clrMapOvr>
-</p:notes>
 </file>
 
 <file path=ppt/slideLayouts/slideLayout1.xml><?xml version="1.0" encoding="utf-8"?>
@@ -3735,45 +3646,36 @@
             <a:spLocks noGrp="1"/>
           </p:cNvSpPr>
           <p:nvPr>
-            <p:ph type="ctrTitle"/>
+            <p:ph type="title"/>
+          </p:nvPr>
+        </p:nvSpPr>
+        <p:spPr/>
+        <p:txBody>
+          <a:bodyPr/>
+          <a:lstStyle/>
+          <a:p>
+            <a:r>
+              <a:rPr lang="de-DE" dirty="0" smtClean="0"/>
+              <a:t>Gliederung	</a:t>
+            </a:r>
+            <a:endParaRPr lang="de-DE" dirty="0"/>
+          </a:p>
+        </p:txBody>
+      </p:sp>
+      <p:sp>
+        <p:nvSpPr>
+          <p:cNvPr id="3" name="Inhaltsplatzhalter 2"/>
+          <p:cNvSpPr>
+            <a:spLocks noGrp="1"/>
+          </p:cNvSpPr>
+          <p:nvPr>
+            <p:ph idx="1"/>
           </p:nvPr>
         </p:nvSpPr>
         <p:spPr>
           <a:xfrm>
-            <a:off x="685800" y="1244331"/>
-            <a:ext cx="7772400" cy="1470025"/>
-          </a:xfrm>
-        </p:spPr>
-        <p:txBody>
-          <a:bodyPr/>
-          <a:lstStyle/>
-          <a:p>
-            <a:r>
-              <a:rPr lang="de-DE" dirty="0"/>
-              <a:t>404 Not </a:t>
-            </a:r>
-            <a:r>
-              <a:rPr lang="de-DE" dirty="0" err="1"/>
-              <a:t>Found</a:t>
-            </a:r>
-            <a:endParaRPr lang="de-DE" dirty="0"/>
-          </a:p>
-        </p:txBody>
-      </p:sp>
-      <p:sp>
-        <p:nvSpPr>
-          <p:cNvPr id="3" name="Untertitel 2"/>
-          <p:cNvSpPr>
-            <a:spLocks noGrp="1"/>
-          </p:cNvSpPr>
-          <p:nvPr>
-            <p:ph type="subTitle" idx="1"/>
-          </p:nvPr>
-        </p:nvSpPr>
-        <p:spPr>
-          <a:xfrm>
-            <a:off x="4703881" y="4966956"/>
-            <a:ext cx="4018081" cy="1396188"/>
+            <a:off x="434622" y="1600200"/>
+            <a:ext cx="8229600" cy="4525963"/>
           </a:xfrm>
         </p:spPr>
         <p:txBody>
@@ -3782,54 +3684,52 @@
           </a:bodyPr>
           <a:lstStyle/>
           <a:p>
-            <a:pPr algn="l"/>
-            <a:r>
-              <a:rPr lang="de-DE" sz="2000" dirty="0" smtClean="0"/>
-              <a:t>Teammitglieder: Ramón Wilhelm</a:t>
-            </a:r>
-          </a:p>
-          <a:p>
-            <a:pPr algn="l"/>
-            <a:r>
-              <a:rPr lang="de-DE" sz="2000" dirty="0"/>
-              <a:t>	</a:t>
-            </a:r>
-            <a:r>
-              <a:rPr lang="de-DE" sz="2000" dirty="0" smtClean="0"/>
-              <a:t>		</a:t>
-            </a:r>
-            <a:r>
-              <a:rPr lang="de-DE" sz="2000" dirty="0"/>
-              <a:t> </a:t>
-            </a:r>
-            <a:r>
-              <a:rPr lang="de-DE" sz="2000" dirty="0" smtClean="0"/>
-              <a:t>      Katharina Kahlert </a:t>
-            </a:r>
-          </a:p>
-          <a:p>
-            <a:pPr algn="l"/>
-            <a:r>
-              <a:rPr lang="de-DE" sz="2000" dirty="0"/>
-              <a:t>	</a:t>
-            </a:r>
-            <a:r>
-              <a:rPr lang="de-DE" sz="2000" dirty="0" smtClean="0"/>
-              <a:t>		</a:t>
-            </a:r>
-            <a:r>
-              <a:rPr lang="de-DE" sz="2000" dirty="0"/>
-              <a:t> </a:t>
-            </a:r>
-            <a:r>
-              <a:rPr lang="de-DE" sz="2000" dirty="0" smtClean="0"/>
-              <a:t>      Meltem </a:t>
-            </a:r>
-            <a:r>
-              <a:rPr lang="de-DE" sz="2000" dirty="0" err="1" smtClean="0"/>
-              <a:t>Özkul</a:t>
-            </a:r>
-            <a:endParaRPr lang="de-DE" sz="2000" dirty="0"/>
+            <a:r>
+              <a:rPr lang="de-DE" dirty="0" smtClean="0"/>
+              <a:t>Kurzbeschreibung</a:t>
+            </a:r>
+          </a:p>
+          <a:p>
+            <a:r>
+              <a:rPr lang="de-DE" dirty="0" smtClean="0"/>
+              <a:t>Skizzen</a:t>
+            </a:r>
+          </a:p>
+          <a:p>
+            <a:r>
+              <a:rPr lang="de-DE" dirty="0" smtClean="0"/>
+              <a:t>Terminplan</a:t>
+            </a:r>
+          </a:p>
+          <a:p>
+            <a:r>
+              <a:rPr lang="de-DE" dirty="0" smtClean="0"/>
+              <a:t>Risiko</a:t>
+            </a:r>
+            <a:endParaRPr lang="de-DE" dirty="0"/>
+          </a:p>
+        </p:txBody>
+      </p:sp>
+      <p:sp>
+        <p:nvSpPr>
+          <p:cNvPr id="5" name="Foliennummernplatzhalter 4"/>
+          <p:cNvSpPr>
+            <a:spLocks noGrp="1"/>
+          </p:cNvSpPr>
+          <p:nvPr>
+            <p:ph type="sldNum" sz="quarter" idx="12"/>
+          </p:nvPr>
+        </p:nvSpPr>
+        <p:spPr/>
+        <p:txBody>
+          <a:bodyPr/>
+          <a:lstStyle/>
+          <a:p>
+            <a:fld id="{8C23CA4F-E948-324D-AE99-93DD634CB28D}" type="slidenum">
+              <a:rPr lang="de-DE" smtClean="0"/>
+              <a:t>1</a:t>
+            </a:fld>
+            <a:endParaRPr lang="de-DE"/>
           </a:p>
         </p:txBody>
       </p:sp>
@@ -3861,457 +3761,26 @@
               <a:t> von </a:t>
             </a:r>
             <a:endParaRPr lang="de-DE" dirty="0"/>
-          </a:p>
-        </p:txBody>
-      </p:sp>
-      <p:sp>
-        <p:nvSpPr>
-          <p:cNvPr id="8" name="Untertitel 2"/>
-          <p:cNvSpPr txBox="1">
-            <a:spLocks/>
-          </p:cNvSpPr>
-          <p:nvPr/>
-        </p:nvSpPr>
-        <p:spPr>
-          <a:xfrm>
-            <a:off x="685800" y="4960162"/>
-            <a:ext cx="4018081" cy="1396188"/>
-          </a:xfrm>
-          <a:prstGeom prst="rect">
-            <a:avLst/>
-          </a:prstGeom>
-        </p:spPr>
-        <p:txBody>
-          <a:bodyPr vert="horz" lIns="91440" tIns="45720" rIns="91440" bIns="45720" rtlCol="0">
-            <a:normAutofit/>
-          </a:bodyPr>
-          <a:lstStyle>
-            <a:lvl1pPr marL="0" indent="0" algn="ctr" defTabSz="457200" rtl="0" eaLnBrk="1" latinLnBrk="0" hangingPunct="1">
-              <a:spcBef>
-                <a:spcPct val="20000"/>
-              </a:spcBef>
-              <a:buFont typeface="Arial"/>
-              <a:buNone/>
-              <a:defRPr sz="3200" kern="1200">
-                <a:solidFill>
-                  <a:schemeClr val="tx1">
-                    <a:tint val="75000"/>
-                  </a:schemeClr>
-                </a:solidFill>
-                <a:latin typeface="+mn-lt"/>
-                <a:ea typeface="+mn-ea"/>
-                <a:cs typeface="+mn-cs"/>
-              </a:defRPr>
-            </a:lvl1pPr>
-            <a:lvl2pPr marL="457200" indent="0" algn="ctr" defTabSz="457200" rtl="0" eaLnBrk="1" latinLnBrk="0" hangingPunct="1">
-              <a:spcBef>
-                <a:spcPct val="20000"/>
-              </a:spcBef>
-              <a:buFont typeface="Arial"/>
-              <a:buNone/>
-              <a:defRPr sz="2800" kern="1200">
-                <a:solidFill>
-                  <a:schemeClr val="tx1">
-                    <a:tint val="75000"/>
-                  </a:schemeClr>
-                </a:solidFill>
-                <a:latin typeface="+mn-lt"/>
-                <a:ea typeface="+mn-ea"/>
-                <a:cs typeface="+mn-cs"/>
-              </a:defRPr>
-            </a:lvl2pPr>
-            <a:lvl3pPr marL="914400" indent="0" algn="ctr" defTabSz="457200" rtl="0" eaLnBrk="1" latinLnBrk="0" hangingPunct="1">
-              <a:spcBef>
-                <a:spcPct val="20000"/>
-              </a:spcBef>
-              <a:buFont typeface="Arial"/>
-              <a:buNone/>
-              <a:defRPr sz="2400" kern="1200">
-                <a:solidFill>
-                  <a:schemeClr val="tx1">
-                    <a:tint val="75000"/>
-                  </a:schemeClr>
-                </a:solidFill>
-                <a:latin typeface="+mn-lt"/>
-                <a:ea typeface="+mn-ea"/>
-                <a:cs typeface="+mn-cs"/>
-              </a:defRPr>
-            </a:lvl3pPr>
-            <a:lvl4pPr marL="1371600" indent="0" algn="ctr" defTabSz="457200" rtl="0" eaLnBrk="1" latinLnBrk="0" hangingPunct="1">
-              <a:spcBef>
-                <a:spcPct val="20000"/>
-              </a:spcBef>
-              <a:buFont typeface="Arial"/>
-              <a:buNone/>
-              <a:defRPr sz="2000" kern="1200">
-                <a:solidFill>
-                  <a:schemeClr val="tx1">
-                    <a:tint val="75000"/>
-                  </a:schemeClr>
-                </a:solidFill>
-                <a:latin typeface="+mn-lt"/>
-                <a:ea typeface="+mn-ea"/>
-                <a:cs typeface="+mn-cs"/>
-              </a:defRPr>
-            </a:lvl4pPr>
-            <a:lvl5pPr marL="1828800" indent="0" algn="ctr" defTabSz="457200" rtl="0" eaLnBrk="1" latinLnBrk="0" hangingPunct="1">
-              <a:spcBef>
-                <a:spcPct val="20000"/>
-              </a:spcBef>
-              <a:buFont typeface="Arial"/>
-              <a:buNone/>
-              <a:defRPr sz="2000" kern="1200">
-                <a:solidFill>
-                  <a:schemeClr val="tx1">
-                    <a:tint val="75000"/>
-                  </a:schemeClr>
-                </a:solidFill>
-                <a:latin typeface="+mn-lt"/>
-                <a:ea typeface="+mn-ea"/>
-                <a:cs typeface="+mn-cs"/>
-              </a:defRPr>
-            </a:lvl5pPr>
-            <a:lvl6pPr marL="2286000" indent="0" algn="ctr" defTabSz="457200" rtl="0" eaLnBrk="1" latinLnBrk="0" hangingPunct="1">
-              <a:spcBef>
-                <a:spcPct val="20000"/>
-              </a:spcBef>
-              <a:buFont typeface="Arial"/>
-              <a:buNone/>
-              <a:defRPr sz="2000" kern="1200">
-                <a:solidFill>
-                  <a:schemeClr val="tx1">
-                    <a:tint val="75000"/>
-                  </a:schemeClr>
-                </a:solidFill>
-                <a:latin typeface="+mn-lt"/>
-                <a:ea typeface="+mn-ea"/>
-                <a:cs typeface="+mn-cs"/>
-              </a:defRPr>
-            </a:lvl6pPr>
-            <a:lvl7pPr marL="2743200" indent="0" algn="ctr" defTabSz="457200" rtl="0" eaLnBrk="1" latinLnBrk="0" hangingPunct="1">
-              <a:spcBef>
-                <a:spcPct val="20000"/>
-              </a:spcBef>
-              <a:buFont typeface="Arial"/>
-              <a:buNone/>
-              <a:defRPr sz="2000" kern="1200">
-                <a:solidFill>
-                  <a:schemeClr val="tx1">
-                    <a:tint val="75000"/>
-                  </a:schemeClr>
-                </a:solidFill>
-                <a:latin typeface="+mn-lt"/>
-                <a:ea typeface="+mn-ea"/>
-                <a:cs typeface="+mn-cs"/>
-              </a:defRPr>
-            </a:lvl7pPr>
-            <a:lvl8pPr marL="3200400" indent="0" algn="ctr" defTabSz="457200" rtl="0" eaLnBrk="1" latinLnBrk="0" hangingPunct="1">
-              <a:spcBef>
-                <a:spcPct val="20000"/>
-              </a:spcBef>
-              <a:buFont typeface="Arial"/>
-              <a:buNone/>
-              <a:defRPr sz="2000" kern="1200">
-                <a:solidFill>
-                  <a:schemeClr val="tx1">
-                    <a:tint val="75000"/>
-                  </a:schemeClr>
-                </a:solidFill>
-                <a:latin typeface="+mn-lt"/>
-                <a:ea typeface="+mn-ea"/>
-                <a:cs typeface="+mn-cs"/>
-              </a:defRPr>
-            </a:lvl8pPr>
-            <a:lvl9pPr marL="3657600" indent="0" algn="ctr" defTabSz="457200" rtl="0" eaLnBrk="1" latinLnBrk="0" hangingPunct="1">
-              <a:spcBef>
-                <a:spcPct val="20000"/>
-              </a:spcBef>
-              <a:buFont typeface="Arial"/>
-              <a:buNone/>
-              <a:defRPr sz="2000" kern="1200">
-                <a:solidFill>
-                  <a:schemeClr val="tx1">
-                    <a:tint val="75000"/>
-                  </a:schemeClr>
-                </a:solidFill>
-                <a:latin typeface="+mn-lt"/>
-                <a:ea typeface="+mn-ea"/>
-                <a:cs typeface="+mn-cs"/>
-              </a:defRPr>
-            </a:lvl9pPr>
-          </a:lstStyle>
-          <a:p>
-            <a:pPr algn="l"/>
-            <a:r>
-              <a:rPr lang="de-DE" sz="2000" dirty="0" smtClean="0"/>
-              <a:t>Dozenten: Prof. Dr. Paul Grimm </a:t>
-            </a:r>
-            <a:br>
-              <a:rPr lang="de-DE" sz="2000" dirty="0" smtClean="0"/>
-            </a:br>
-            <a:r>
-              <a:rPr lang="de-DE" sz="2000" dirty="0" smtClean="0"/>
-              <a:t>                    Prof. Dr. Yvonne Jung</a:t>
-            </a:r>
-            <a:br>
-              <a:rPr lang="de-DE" sz="2000" dirty="0" smtClean="0"/>
-            </a:br>
-            <a:endParaRPr lang="de-DE" sz="2000" dirty="0"/>
           </a:p>
         </p:txBody>
       </p:sp>
     </p:spTree>
     <p:extLst>
       <p:ext uri="{BB962C8B-B14F-4D97-AF65-F5344CB8AC3E}">
-        <p14:creationId xmlns:p14="http://schemas.microsoft.com/office/powerpoint/2010/main" val="3371794664"/>
+        <p14:creationId xmlns:p14="http://schemas.microsoft.com/office/powerpoint/2010/main" val="1397971287"/>
       </p:ext>
     </p:extLst>
   </p:cSld>
   <p:clrMapOvr>
     <a:masterClrMapping/>
   </p:clrMapOvr>
-</p:sld>
-</file>
-
-<file path=ppt/slides/slide10.xml><?xml version="1.0" encoding="utf-8"?>
-<p:sld xmlns:a="http://schemas.openxmlformats.org/drawingml/2006/main" xmlns:r="http://schemas.openxmlformats.org/officeDocument/2006/relationships" xmlns:p="http://schemas.openxmlformats.org/presentationml/2006/main">
-  <p:cSld>
-    <p:spTree>
-      <p:nvGrpSpPr>
-        <p:cNvPr id="1" name=""/>
-        <p:cNvGrpSpPr/>
-        <p:nvPr/>
-      </p:nvGrpSpPr>
-      <p:grpSpPr>
-        <a:xfrm>
-          <a:off x="0" y="0"/>
-          <a:ext cx="0" cy="0"/>
-          <a:chOff x="0" y="0"/>
-          <a:chExt cx="0" cy="0"/>
-        </a:xfrm>
-      </p:grpSpPr>
-      <p:sp>
-        <p:nvSpPr>
-          <p:cNvPr id="2" name="Titel 1"/>
-          <p:cNvSpPr>
-            <a:spLocks noGrp="1"/>
-          </p:cNvSpPr>
-          <p:nvPr>
-            <p:ph type="title"/>
-          </p:nvPr>
-        </p:nvSpPr>
-        <p:spPr/>
-        <p:txBody>
-          <a:bodyPr/>
-          <a:lstStyle/>
-          <a:p>
-            <a:r>
-              <a:rPr lang="de-DE" dirty="0" smtClean="0"/>
-              <a:t>Risiko</a:t>
-            </a:r>
-            <a:endParaRPr lang="de-DE" dirty="0"/>
-          </a:p>
-        </p:txBody>
-      </p:sp>
-      <p:sp>
-        <p:nvSpPr>
-          <p:cNvPr id="3" name="Inhaltsplatzhalter 2"/>
-          <p:cNvSpPr>
-            <a:spLocks noGrp="1"/>
-          </p:cNvSpPr>
-          <p:nvPr>
-            <p:ph idx="1"/>
-          </p:nvPr>
-        </p:nvSpPr>
-        <p:spPr/>
-        <p:txBody>
-          <a:bodyPr>
-            <a:normAutofit fontScale="70000" lnSpcReduction="20000"/>
-          </a:bodyPr>
-          <a:lstStyle/>
-          <a:p>
-            <a:r>
-              <a:rPr lang="de-DE" dirty="0" smtClean="0"/>
-              <a:t>Three.js nicht verstehen</a:t>
-            </a:r>
-          </a:p>
-          <a:p>
-            <a:r>
-              <a:rPr lang="de-DE" dirty="0" smtClean="0"/>
-              <a:t>Fehler in der Programmierung</a:t>
-            </a:r>
-          </a:p>
-          <a:p>
-            <a:pPr marL="0" indent="0">
-              <a:buNone/>
-            </a:pPr>
-            <a:r>
-              <a:rPr lang="de-DE" dirty="0"/>
-              <a:t> </a:t>
-            </a:r>
-            <a:r>
-              <a:rPr lang="de-DE" dirty="0" smtClean="0"/>
-              <a:t>	- Steuerung nicht auf Modelle übertragbar</a:t>
-            </a:r>
-          </a:p>
-          <a:p>
-            <a:pPr marL="0" indent="0">
-              <a:buNone/>
-            </a:pPr>
-            <a:r>
-              <a:rPr lang="de-DE" dirty="0" smtClean="0"/>
-              <a:t>	- Modelle können nicht eingebunden werden</a:t>
-            </a:r>
-          </a:p>
-          <a:p>
-            <a:pPr marL="0" indent="0">
-              <a:buNone/>
-            </a:pPr>
-            <a:r>
-              <a:rPr lang="de-DE" dirty="0"/>
-              <a:t>	</a:t>
-            </a:r>
-            <a:r>
-              <a:rPr lang="de-DE" dirty="0" smtClean="0"/>
-              <a:t>- Steuerung und Kollision können nicht miteinander 	</a:t>
-            </a:r>
-          </a:p>
-          <a:p>
-            <a:pPr marL="0" indent="0">
-              <a:buNone/>
-            </a:pPr>
-            <a:r>
-              <a:rPr lang="de-DE" dirty="0"/>
-              <a:t>	</a:t>
-            </a:r>
-            <a:r>
-              <a:rPr lang="de-DE" dirty="0" smtClean="0"/>
-              <a:t>  interagieren</a:t>
-            </a:r>
-          </a:p>
-          <a:p>
-            <a:pPr marL="0" indent="0">
-              <a:buNone/>
-            </a:pPr>
-            <a:r>
-              <a:rPr lang="de-DE" dirty="0"/>
-              <a:t>	</a:t>
-            </a:r>
-            <a:r>
-              <a:rPr lang="de-DE" dirty="0" smtClean="0"/>
-              <a:t>- Abhängigkeiten anderer Arbeitspakete</a:t>
-            </a:r>
-          </a:p>
-          <a:p>
-            <a:r>
-              <a:rPr lang="de-DE" dirty="0" smtClean="0"/>
-              <a:t>Gruppendemotivation</a:t>
-            </a:r>
-          </a:p>
-          <a:p>
-            <a:r>
-              <a:rPr lang="de-DE" dirty="0" smtClean="0"/>
-              <a:t>Überschätzung</a:t>
-            </a:r>
-          </a:p>
-          <a:p>
-            <a:pPr marL="0" indent="0">
-              <a:buNone/>
-            </a:pPr>
-            <a:r>
-              <a:rPr lang="de-DE" dirty="0"/>
-              <a:t>	</a:t>
-            </a:r>
-            <a:r>
-              <a:rPr lang="de-DE" dirty="0" smtClean="0"/>
-              <a:t>-Termine können nicht eingehalten werden</a:t>
-            </a:r>
-          </a:p>
-          <a:p>
-            <a:r>
-              <a:rPr lang="de-DE" dirty="0" smtClean="0"/>
-              <a:t>Technikausfall</a:t>
-            </a:r>
-          </a:p>
-          <a:p>
-            <a:r>
-              <a:rPr lang="de-DE" dirty="0" smtClean="0"/>
-              <a:t>Krankheitsausfälle</a:t>
-            </a:r>
-          </a:p>
-          <a:p>
-            <a:r>
-              <a:rPr lang="de-DE" dirty="0" smtClean="0"/>
-              <a:t>Schönes Wetter </a:t>
-            </a:r>
-            <a:endParaRPr lang="de-DE" dirty="0"/>
-          </a:p>
-        </p:txBody>
-      </p:sp>
-      <p:sp>
-        <p:nvSpPr>
-          <p:cNvPr id="5" name="Foliennummernplatzhalter 4"/>
-          <p:cNvSpPr>
-            <a:spLocks noGrp="1"/>
-          </p:cNvSpPr>
-          <p:nvPr>
-            <p:ph type="sldNum" sz="quarter" idx="12"/>
-          </p:nvPr>
-        </p:nvSpPr>
-        <p:spPr/>
-        <p:txBody>
-          <a:bodyPr/>
-          <a:lstStyle/>
-          <a:p>
-            <a:fld id="{8C23CA4F-E948-324D-AE99-93DD634CB28D}" type="slidenum">
-              <a:rPr lang="de-DE" smtClean="0"/>
-              <a:t>10</a:t>
-            </a:fld>
-            <a:endParaRPr lang="de-DE"/>
-          </a:p>
-        </p:txBody>
-      </p:sp>
-      <p:sp>
-        <p:nvSpPr>
-          <p:cNvPr id="6" name="Fußzeilenplatzhalter 5"/>
-          <p:cNvSpPr>
-            <a:spLocks noGrp="1"/>
-          </p:cNvSpPr>
-          <p:nvPr>
-            <p:ph type="ftr" sz="quarter" idx="11"/>
-          </p:nvPr>
-        </p:nvSpPr>
-        <p:spPr/>
-        <p:txBody>
-          <a:bodyPr/>
-          <a:lstStyle/>
-          <a:p>
-            <a:r>
-              <a:rPr lang="de-DE" dirty="0" smtClean="0"/>
-              <a:t>Seite </a:t>
-            </a:r>
-            <a:fld id="{0A097ED9-F555-3646-97DF-32BC18C12F43}" type="slidenum">
-              <a:rPr lang="de-DE" smtClean="0"/>
-              <a:t>10</a:t>
-            </a:fld>
-            <a:r>
-              <a:rPr lang="de-DE" dirty="0" smtClean="0"/>
-              <a:t> von </a:t>
-            </a:r>
-            <a:endParaRPr lang="de-DE" dirty="0"/>
-          </a:p>
-        </p:txBody>
-      </p:sp>
-    </p:spTree>
-    <p:extLst>
-      <p:ext uri="{BB962C8B-B14F-4D97-AF65-F5344CB8AC3E}">
-        <p14:creationId xmlns:p14="http://schemas.microsoft.com/office/powerpoint/2010/main" val="4110109473"/>
-      </p:ext>
-    </p:extLst>
-  </p:cSld>
-  <p:clrMapOvr>
-    <a:masterClrMapping/>
-  </p:clrMapOvr>
+  <p:timing>
+    <p:tnLst>
+      <p:par>
+        <p:cTn id="1" dur="indefinite" restart="never" nodeType="tmRoot"/>
+      </p:par>
+    </p:tnLst>
+  </p:timing>
 </p:sld>
 </file>
 
@@ -4344,161 +3813,6 @@
         </p:nvSpPr>
         <p:spPr/>
         <p:txBody>
-          <a:bodyPr/>
-          <a:lstStyle/>
-          <a:p>
-            <a:r>
-              <a:rPr lang="de-DE" dirty="0" smtClean="0"/>
-              <a:t>Gliederung	</a:t>
-            </a:r>
-            <a:endParaRPr lang="de-DE" dirty="0"/>
-          </a:p>
-        </p:txBody>
-      </p:sp>
-      <p:sp>
-        <p:nvSpPr>
-          <p:cNvPr id="3" name="Inhaltsplatzhalter 2"/>
-          <p:cNvSpPr>
-            <a:spLocks noGrp="1"/>
-          </p:cNvSpPr>
-          <p:nvPr>
-            <p:ph idx="1"/>
-          </p:nvPr>
-        </p:nvSpPr>
-        <p:spPr>
-          <a:xfrm>
-            <a:off x="434622" y="1600200"/>
-            <a:ext cx="8229600" cy="4525963"/>
-          </a:xfrm>
-        </p:spPr>
-        <p:txBody>
-          <a:bodyPr>
-            <a:normAutofit/>
-          </a:bodyPr>
-          <a:lstStyle/>
-          <a:p>
-            <a:r>
-              <a:rPr lang="de-DE" dirty="0" smtClean="0"/>
-              <a:t>Kurzbeschreibung</a:t>
-            </a:r>
-          </a:p>
-          <a:p>
-            <a:r>
-              <a:rPr lang="de-DE" dirty="0" smtClean="0"/>
-              <a:t>Skizzen</a:t>
-            </a:r>
-          </a:p>
-          <a:p>
-            <a:r>
-              <a:rPr lang="de-DE" dirty="0" smtClean="0"/>
-              <a:t>Terminplan</a:t>
-            </a:r>
-          </a:p>
-          <a:p>
-            <a:r>
-              <a:rPr lang="de-DE" dirty="0" smtClean="0"/>
-              <a:t>Risiko</a:t>
-            </a:r>
-            <a:endParaRPr lang="de-DE" dirty="0"/>
-          </a:p>
-        </p:txBody>
-      </p:sp>
-      <p:sp>
-        <p:nvSpPr>
-          <p:cNvPr id="5" name="Foliennummernplatzhalter 4"/>
-          <p:cNvSpPr>
-            <a:spLocks noGrp="1"/>
-          </p:cNvSpPr>
-          <p:nvPr>
-            <p:ph type="sldNum" sz="quarter" idx="12"/>
-          </p:nvPr>
-        </p:nvSpPr>
-        <p:spPr/>
-        <p:txBody>
-          <a:bodyPr/>
-          <a:lstStyle/>
-          <a:p>
-            <a:fld id="{8C23CA4F-E948-324D-AE99-93DD634CB28D}" type="slidenum">
-              <a:rPr lang="de-DE" smtClean="0"/>
-              <a:t>2</a:t>
-            </a:fld>
-            <a:endParaRPr lang="de-DE"/>
-          </a:p>
-        </p:txBody>
-      </p:sp>
-      <p:sp>
-        <p:nvSpPr>
-          <p:cNvPr id="6" name="Fußzeilenplatzhalter 5"/>
-          <p:cNvSpPr>
-            <a:spLocks noGrp="1"/>
-          </p:cNvSpPr>
-          <p:nvPr>
-            <p:ph type="ftr" sz="quarter" idx="11"/>
-          </p:nvPr>
-        </p:nvSpPr>
-        <p:spPr/>
-        <p:txBody>
-          <a:bodyPr/>
-          <a:lstStyle/>
-          <a:p>
-            <a:r>
-              <a:rPr lang="de-DE" dirty="0" smtClean="0"/>
-              <a:t>Seite </a:t>
-            </a:r>
-            <a:fld id="{0A097ED9-F555-3646-97DF-32BC18C12F43}" type="slidenum">
-              <a:rPr lang="de-DE" smtClean="0"/>
-              <a:t>2</a:t>
-            </a:fld>
-            <a:r>
-              <a:rPr lang="de-DE" dirty="0" smtClean="0"/>
-              <a:t> von </a:t>
-            </a:r>
-            <a:endParaRPr lang="de-DE" dirty="0"/>
-          </a:p>
-        </p:txBody>
-      </p:sp>
-    </p:spTree>
-    <p:extLst>
-      <p:ext uri="{BB962C8B-B14F-4D97-AF65-F5344CB8AC3E}">
-        <p14:creationId xmlns:p14="http://schemas.microsoft.com/office/powerpoint/2010/main" val="1397971287"/>
-      </p:ext>
-    </p:extLst>
-  </p:cSld>
-  <p:clrMapOvr>
-    <a:masterClrMapping/>
-  </p:clrMapOvr>
-</p:sld>
-</file>
-
-<file path=ppt/slides/slide3.xml><?xml version="1.0" encoding="utf-8"?>
-<p:sld xmlns:a="http://schemas.openxmlformats.org/drawingml/2006/main" xmlns:r="http://schemas.openxmlformats.org/officeDocument/2006/relationships" xmlns:p="http://schemas.openxmlformats.org/presentationml/2006/main">
-  <p:cSld>
-    <p:spTree>
-      <p:nvGrpSpPr>
-        <p:cNvPr id="1" name=""/>
-        <p:cNvGrpSpPr/>
-        <p:nvPr/>
-      </p:nvGrpSpPr>
-      <p:grpSpPr>
-        <a:xfrm>
-          <a:off x="0" y="0"/>
-          <a:ext cx="0" cy="0"/>
-          <a:chOff x="0" y="0"/>
-          <a:chExt cx="0" cy="0"/>
-        </a:xfrm>
-      </p:grpSpPr>
-      <p:sp>
-        <p:nvSpPr>
-          <p:cNvPr id="2" name="Titel 1"/>
-          <p:cNvSpPr>
-            <a:spLocks noGrp="1"/>
-          </p:cNvSpPr>
-          <p:nvPr>
-            <p:ph type="title"/>
-          </p:nvPr>
-        </p:nvSpPr>
-        <p:spPr/>
-        <p:txBody>
           <a:bodyPr>
             <a:normAutofit fontScale="90000"/>
           </a:bodyPr>
@@ -4586,7 +3900,7 @@
           <a:p>
             <a:fld id="{8C23CA4F-E948-324D-AE99-93DD634CB28D}" type="slidenum">
               <a:rPr lang="de-DE" smtClean="0"/>
-              <a:t>3</a:t>
+              <a:t>2</a:t>
             </a:fld>
             <a:endParaRPr lang="de-DE"/>
           </a:p>
@@ -4613,7 +3927,7 @@
             </a:r>
             <a:fld id="{0A097ED9-F555-3646-97DF-32BC18C12F43}" type="slidenum">
               <a:rPr lang="de-DE" smtClean="0"/>
-              <a:t>3</a:t>
+              <a:t>2</a:t>
             </a:fld>
             <a:r>
               <a:rPr lang="de-DE" dirty="0" smtClean="0"/>
@@ -4633,10 +3947,17 @@
   <p:clrMapOvr>
     <a:masterClrMapping/>
   </p:clrMapOvr>
+  <p:timing>
+    <p:tnLst>
+      <p:par>
+        <p:cTn id="1" dur="indefinite" restart="never" nodeType="tmRoot"/>
+      </p:par>
+    </p:tnLst>
+  </p:timing>
 </p:sld>
 </file>
 
-<file path=ppt/slides/slide4.xml><?xml version="1.0" encoding="utf-8"?>
+<file path=ppt/slides/slide3.xml><?xml version="1.0" encoding="utf-8"?>
 <p:sld xmlns:a="http://schemas.openxmlformats.org/drawingml/2006/main" xmlns:r="http://schemas.openxmlformats.org/officeDocument/2006/relationships" xmlns:p="http://schemas.openxmlformats.org/presentationml/2006/main">
   <p:cSld>
     <p:spTree>
@@ -4728,7 +4049,7 @@
           <a:p>
             <a:fld id="{8C23CA4F-E948-324D-AE99-93DD634CB28D}" type="slidenum">
               <a:rPr lang="de-DE" smtClean="0"/>
-              <a:t>4</a:t>
+              <a:t>3</a:t>
             </a:fld>
             <a:endParaRPr lang="de-DE"/>
           </a:p>
@@ -4755,7 +4076,7 @@
             </a:r>
             <a:fld id="{0A097ED9-F555-3646-97DF-32BC18C12F43}" type="slidenum">
               <a:rPr lang="de-DE" smtClean="0"/>
-              <a:t>4</a:t>
+              <a:t>3</a:t>
             </a:fld>
             <a:r>
               <a:rPr lang="de-DE" dirty="0" smtClean="0"/>
@@ -4775,10 +4096,17 @@
   <p:clrMapOvr>
     <a:masterClrMapping/>
   </p:clrMapOvr>
+  <p:timing>
+    <p:tnLst>
+      <p:par>
+        <p:cTn id="1" dur="indefinite" restart="never" nodeType="tmRoot"/>
+      </p:par>
+    </p:tnLst>
+  </p:timing>
 </p:sld>
 </file>
 
-<file path=ppt/slides/slide5.xml><?xml version="1.0" encoding="utf-8"?>
+<file path=ppt/slides/slide4.xml><?xml version="1.0" encoding="utf-8"?>
 <p:sld xmlns:a="http://schemas.openxmlformats.org/drawingml/2006/main" xmlns:r="http://schemas.openxmlformats.org/officeDocument/2006/relationships" xmlns:p="http://schemas.openxmlformats.org/presentationml/2006/main">
   <p:cSld>
     <p:spTree>
@@ -4828,14 +4156,14 @@
             <p:ph idx="1"/>
             <p:extLst>
               <p:ext uri="{D42A27DB-BD31-4B8C-83A1-F6EECF244321}">
-                <p14:modId xmlns:p14="http://schemas.microsoft.com/office/powerpoint/2010/main" val="3772294196"/>
+                <p14:modId xmlns:p14="http://schemas.microsoft.com/office/powerpoint/2010/main" val="4156818116"/>
               </p:ext>
             </p:extLst>
           </p:nvPr>
         </p:nvGraphicFramePr>
         <p:xfrm>
           <a:off x="457200" y="1417638"/>
-          <a:ext cx="8389360" cy="4938712"/>
+          <a:ext cx="8389360" cy="5295703"/>
         </p:xfrm>
         <a:graphic>
           <a:graphicData uri="http://schemas.openxmlformats.org/drawingml/2006/table">
@@ -4915,7 +4243,54 @@
                   <a:tcPr/>
                 </a:tc>
               </a:tr>
-              <a:tr h="1208848">
+              <a:tr h="377119">
+                <a:tc gridSpan="4">
+                  <a:txBody>
+                    <a:bodyPr/>
+                    <a:lstStyle/>
+                    <a:p>
+                      <a:pPr algn="ctr"/>
+                      <a:r>
+                        <a:rPr lang="de-DE" dirty="0" smtClean="0"/>
+                        <a:t>Umgang lernen mit Three.js</a:t>
+                      </a:r>
+                      <a:endParaRPr lang="de-DE" dirty="0"/>
+                    </a:p>
+                  </a:txBody>
+                  <a:tcPr/>
+                </a:tc>
+                <a:tc hMerge="1">
+                  <a:txBody>
+                    <a:bodyPr/>
+                    <a:lstStyle/>
+                    <a:p>
+                      <a:endParaRPr lang="de-DE" dirty="0"/>
+                    </a:p>
+                  </a:txBody>
+                  <a:tcPr/>
+                </a:tc>
+                <a:tc hMerge="1">
+                  <a:txBody>
+                    <a:bodyPr/>
+                    <a:lstStyle/>
+                    <a:p>
+                      <a:endParaRPr lang="de-DE" dirty="0"/>
+                    </a:p>
+                  </a:txBody>
+                  <a:tcPr/>
+                </a:tc>
+                <a:tc hMerge="1">
+                  <a:txBody>
+                    <a:bodyPr/>
+                    <a:lstStyle/>
+                    <a:p>
+                      <a:endParaRPr lang="de-DE" dirty="0"/>
+                    </a:p>
+                  </a:txBody>
+                  <a:tcPr/>
+                </a:tc>
+              </a:tr>
+              <a:tr h="0">
                 <a:tc>
                   <a:txBody>
                     <a:bodyPr/>
@@ -4945,21 +4320,18 @@
                         <a:rPr lang="de-DE" dirty="0" smtClean="0"/>
                         <a:t>-  Spielwelt</a:t>
                       </a:r>
-                      <a:endParaRPr lang="de-DE" dirty="0" smtClean="0"/>
                     </a:p>
                     <a:p>
                       <a:r>
                         <a:rPr lang="de-DE" dirty="0" smtClean="0"/>
                         <a:t>-  Kamera</a:t>
                       </a:r>
-                      <a:endParaRPr lang="de-DE" dirty="0" smtClean="0"/>
                     </a:p>
                     <a:p>
                       <a:r>
                         <a:rPr lang="de-DE" dirty="0" smtClean="0"/>
                         <a:t>-  Licht/Schatten</a:t>
                       </a:r>
-                      <a:endParaRPr lang="de-DE" dirty="0" smtClean="0"/>
                     </a:p>
                     <a:p>
                       <a:r>
@@ -4968,11 +4340,7 @@
                       </a:r>
                       <a:r>
                         <a:rPr lang="de-DE" baseline="0" dirty="0" smtClean="0"/>
-                        <a:t> </a:t>
-                      </a:r>
-                      <a:r>
-                        <a:rPr lang="de-DE" baseline="0" dirty="0" smtClean="0"/>
-                        <a:t>erscheint </a:t>
+                        <a:t> erscheint </a:t>
                       </a:r>
                       <a:endParaRPr lang="de-DE" dirty="0"/>
                     </a:p>
@@ -5152,41 +4520,12 @@
                         <a:buChar char="-"/>
                       </a:pPr>
                       <a:r>
-                        <a:rPr lang="de-DE" dirty="0" err="1" smtClean="0"/>
-                        <a:t>Timer</a:t>
+                        <a:rPr lang="de-DE" dirty="0" smtClean="0"/>
+                        <a:t>Gameinteraktion </a:t>
                       </a:r>
                       <a:r>
                         <a:rPr lang="de-DE" dirty="0" smtClean="0"/>
-                        <a:t> </a:t>
-                      </a:r>
-                      <a:r>
-                        <a:rPr lang="de-DE" dirty="0" smtClean="0"/>
-                        <a:t>zählen/</a:t>
-                      </a:r>
-                    </a:p>
-                    <a:p>
-                      <a:pPr marL="0" indent="0">
-                        <a:buFontTx/>
-                        <a:buNone/>
-                      </a:pPr>
-                      <a:r>
-                        <a:rPr lang="de-DE" baseline="0" dirty="0" smtClean="0"/>
-                        <a:t>      </a:t>
-                      </a:r>
-                      <a:r>
-                        <a:rPr lang="de-DE" dirty="0" smtClean="0"/>
-                        <a:t>begrenzen</a:t>
-                      </a:r>
-                      <a:endParaRPr lang="de-DE" dirty="0" smtClean="0"/>
-                    </a:p>
-                    <a:p>
-                      <a:pPr marL="285750" indent="-285750">
-                        <a:buFontTx/>
-                        <a:buChar char="-"/>
-                      </a:pPr>
-                      <a:r>
-                        <a:rPr lang="de-DE" dirty="0" smtClean="0"/>
-                        <a:t>Gameinteraktion (Start/Pause)</a:t>
+                        <a:t>(Start/Pause)</a:t>
                       </a:r>
                     </a:p>
                     <a:p>
@@ -5219,13 +4558,48 @@
                         <a:buChar char="-"/>
                       </a:pPr>
                       <a:r>
-                        <a:rPr lang="de-DE" dirty="0" smtClean="0"/>
+                        <a:rPr lang="de-DE" dirty="0" err="1" smtClean="0"/>
                         <a:t>Highscore</a:t>
                       </a:r>
                       <a:r>
                         <a:rPr lang="de-DE" baseline="0" dirty="0" smtClean="0"/>
                         <a:t> </a:t>
                       </a:r>
+                      <a:endParaRPr lang="de-DE" baseline="0" dirty="0" smtClean="0"/>
+                    </a:p>
+                    <a:p>
+                      <a:pPr marL="285750" indent="-285750">
+                        <a:buFontTx/>
+                        <a:buChar char="-"/>
+                      </a:pPr>
+                      <a:r>
+                        <a:rPr lang="de-DE" dirty="0" err="1" smtClean="0"/>
+                        <a:t>Timer</a:t>
+                      </a:r>
+                      <a:r>
+                        <a:rPr lang="de-DE" dirty="0" smtClean="0"/>
+                        <a:t> zählen/</a:t>
+                      </a:r>
+                    </a:p>
+                    <a:p>
+                      <a:pPr marL="0" indent="0">
+                        <a:buFontTx/>
+                        <a:buNone/>
+                      </a:pPr>
+                      <a:r>
+                        <a:rPr lang="de-DE" baseline="0" dirty="0" smtClean="0"/>
+                        <a:t>      </a:t>
+                      </a:r>
+                      <a:r>
+                        <a:rPr lang="de-DE" dirty="0" smtClean="0"/>
+                        <a:t>begrenzen</a:t>
+                      </a:r>
+                    </a:p>
+                    <a:p>
+                      <a:pPr marL="285750" indent="-285750">
+                        <a:buFontTx/>
+                        <a:buChar char="-"/>
+                      </a:pPr>
                       <a:endParaRPr lang="de-DE" dirty="0"/>
                     </a:p>
                   </a:txBody>
@@ -5317,11 +4691,7 @@
                       </a:r>
                       <a:r>
                         <a:rPr lang="de-DE" baseline="0" dirty="0" smtClean="0"/>
-                        <a:t> </a:t>
-                      </a:r>
-                      <a:r>
-                        <a:rPr lang="de-DE" baseline="0" dirty="0" smtClean="0"/>
-                        <a:t>1,6</a:t>
+                        <a:t> 1,6</a:t>
                       </a:r>
                       <a:endParaRPr lang="de-DE" dirty="0" smtClean="0"/>
                     </a:p>
@@ -5350,11 +4720,7 @@
                       </a:r>
                       <a:r>
                         <a:rPr lang="de-DE" baseline="0" dirty="0" smtClean="0"/>
-                        <a:t> </a:t>
-                      </a:r>
-                      <a:r>
-                        <a:rPr lang="de-DE" baseline="0" dirty="0" smtClean="0"/>
-                        <a:t>2,5</a:t>
+                        <a:t> 2,5</a:t>
                       </a:r>
                       <a:endParaRPr lang="de-DE" dirty="0" smtClean="0"/>
                     </a:p>
@@ -5375,30 +4741,18 @@
                     <a:p>
                       <a:r>
                         <a:rPr lang="de-DE" dirty="0" smtClean="0"/>
-                        <a:t>- </a:t>
-                      </a:r>
-                      <a:r>
-                        <a:rPr lang="de-DE" dirty="0" smtClean="0"/>
-                        <a:t>  Level</a:t>
+                        <a:t>-   Level</a:t>
                       </a:r>
                       <a:r>
                         <a:rPr lang="de-DE" baseline="0" dirty="0" smtClean="0"/>
-                        <a:t> </a:t>
-                      </a:r>
-                      <a:r>
-                        <a:rPr lang="de-DE" baseline="0" dirty="0" smtClean="0"/>
-                        <a:t>3,4</a:t>
+                        <a:t> 3,4</a:t>
                       </a:r>
                       <a:endParaRPr lang="de-DE" dirty="0" smtClean="0"/>
                     </a:p>
                     <a:p>
                       <a:r>
                         <a:rPr lang="de-DE" dirty="0" smtClean="0"/>
-                        <a:t>- </a:t>
-                      </a:r>
-                      <a:r>
-                        <a:rPr lang="de-DE" dirty="0" smtClean="0"/>
-                        <a:t>  Bugfixing</a:t>
+                        <a:t>-   Bugfixing</a:t>
                       </a:r>
                       <a:r>
                         <a:rPr lang="de-DE" baseline="0" dirty="0" smtClean="0"/>
@@ -5431,7 +4785,7 @@
           <a:p>
             <a:fld id="{8C23CA4F-E948-324D-AE99-93DD634CB28D}" type="slidenum">
               <a:rPr lang="de-DE" smtClean="0"/>
-              <a:t>5</a:t>
+              <a:t>4</a:t>
             </a:fld>
             <a:endParaRPr lang="de-DE"/>
           </a:p>
@@ -5447,10 +4801,17 @@
   <p:clrMapOvr>
     <a:masterClrMapping/>
   </p:clrMapOvr>
+  <p:timing>
+    <p:tnLst>
+      <p:par>
+        <p:cTn id="1" dur="indefinite" restart="never" nodeType="tmRoot"/>
+      </p:par>
+    </p:tnLst>
+  </p:timing>
 </p:sld>
 </file>
 
-<file path=ppt/slides/slide6.xml><?xml version="1.0" encoding="utf-8"?>
+<file path=ppt/slides/slide5.xml><?xml version="1.0" encoding="utf-8"?>
 <p:sld xmlns:a="http://schemas.openxmlformats.org/drawingml/2006/main" xmlns:r="http://schemas.openxmlformats.org/officeDocument/2006/relationships" xmlns:p="http://schemas.openxmlformats.org/presentationml/2006/main">
   <p:cSld>
     <p:spTree>
@@ -5484,424 +4845,173 @@
           <a:p>
             <a:r>
               <a:rPr lang="de-DE" dirty="0" smtClean="0"/>
-              <a:t>Terminplan</a:t>
+              <a:t>Risiko</a:t>
             </a:r>
             <a:endParaRPr lang="de-DE" dirty="0"/>
           </a:p>
         </p:txBody>
       </p:sp>
-      <p:graphicFrame>
-        <p:nvGraphicFramePr>
-          <p:cNvPr id="6" name="Inhaltsplatzhalter 5"/>
-          <p:cNvGraphicFramePr>
-            <a:graphicFrameLocks noGrp="1"/>
-          </p:cNvGraphicFramePr>
+      <p:sp>
+        <p:nvSpPr>
+          <p:cNvPr id="3" name="Inhaltsplatzhalter 2"/>
+          <p:cNvSpPr>
+            <a:spLocks noGrp="1"/>
+          </p:cNvSpPr>
           <p:nvPr>
             <p:ph idx="1"/>
-            <p:extLst>
-              <p:ext uri="{D42A27DB-BD31-4B8C-83A1-F6EECF244321}">
-                <p14:modId xmlns:p14="http://schemas.microsoft.com/office/powerpoint/2010/main" val="2465526010"/>
-              </p:ext>
-            </p:extLst>
-          </p:nvPr>
-        </p:nvGraphicFramePr>
-        <p:xfrm>
-          <a:off x="457200" y="1600200"/>
-          <a:ext cx="8229600" cy="4033520"/>
-        </p:xfrm>
-        <a:graphic>
-          <a:graphicData uri="http://schemas.openxmlformats.org/drawingml/2006/table">
-            <a:tbl>
-              <a:tblPr firstRow="1" bandRow="1">
-                <a:tableStyleId>{5C22544A-7EE6-4342-B048-85BDC9FD1C3A}</a:tableStyleId>
-              </a:tblPr>
-              <a:tblGrid>
-                <a:gridCol w="2057400"/>
-                <a:gridCol w="2057400"/>
-                <a:gridCol w="2057400"/>
-                <a:gridCol w="2057400"/>
-              </a:tblGrid>
-              <a:tr h="370840">
-                <a:tc>
-                  <a:txBody>
-                    <a:bodyPr/>
-                    <a:lstStyle/>
-                    <a:p>
-                      <a:r>
-                        <a:rPr lang="de-DE" dirty="0" smtClean="0"/>
-                        <a:t>Termin</a:t>
-                      </a:r>
-                      <a:endParaRPr lang="de-DE" dirty="0"/>
-                    </a:p>
-                  </a:txBody>
-                  <a:tcPr/>
-                </a:tc>
-                <a:tc>
-                  <a:txBody>
-                    <a:bodyPr/>
-                    <a:lstStyle/>
-                    <a:p>
-                      <a:r>
-                        <a:rPr lang="de-DE" dirty="0" smtClean="0"/>
-                        <a:t>Ramón</a:t>
-                      </a:r>
-                      <a:r>
-                        <a:rPr lang="de-DE" baseline="0" dirty="0" smtClean="0"/>
-                        <a:t> Wilhelm</a:t>
-                      </a:r>
-                      <a:endParaRPr lang="de-DE" dirty="0"/>
-                    </a:p>
-                  </a:txBody>
-                  <a:tcPr/>
-                </a:tc>
-                <a:tc>
-                  <a:txBody>
-                    <a:bodyPr/>
-                    <a:lstStyle/>
-                    <a:p>
-                      <a:r>
-                        <a:rPr lang="de-DE" dirty="0" smtClean="0"/>
-                        <a:t>Meltem </a:t>
-                      </a:r>
-                      <a:r>
-                        <a:rPr lang="de-DE" dirty="0" err="1" smtClean="0"/>
-                        <a:t>Özkul</a:t>
-                      </a:r>
-                      <a:endParaRPr lang="de-DE" dirty="0"/>
-                    </a:p>
-                  </a:txBody>
-                  <a:tcPr/>
-                </a:tc>
-                <a:tc>
-                  <a:txBody>
-                    <a:bodyPr/>
-                    <a:lstStyle/>
-                    <a:p>
-                      <a:r>
-                        <a:rPr lang="de-DE" dirty="0" smtClean="0"/>
-                        <a:t>Katharina Kahlert</a:t>
-                      </a:r>
-                      <a:endParaRPr lang="de-DE" dirty="0"/>
-                    </a:p>
-                  </a:txBody>
-                  <a:tcPr/>
-                </a:tc>
-              </a:tr>
-              <a:tr h="370840">
-                <a:tc>
-                  <a:txBody>
-                    <a:bodyPr/>
-                    <a:lstStyle/>
-                    <a:p>
-                      <a:r>
-                        <a:rPr lang="de-DE" dirty="0" smtClean="0"/>
-                        <a:t>12.07.2015</a:t>
-                      </a:r>
-                    </a:p>
-                    <a:p>
-                      <a:endParaRPr lang="de-DE" dirty="0"/>
-                    </a:p>
-                  </a:txBody>
-                  <a:tcPr/>
-                </a:tc>
-                <a:tc>
-                  <a:txBody>
-                    <a:bodyPr/>
-                    <a:lstStyle/>
-                    <a:p>
-                      <a:r>
-                        <a:rPr lang="de-DE" dirty="0" smtClean="0"/>
-                        <a:t>-Konzept für Interaktion</a:t>
-                      </a:r>
-                    </a:p>
-                    <a:p>
-                      <a:r>
-                        <a:rPr lang="de-DE" dirty="0" smtClean="0"/>
-                        <a:t>-Grundgerüst</a:t>
-                      </a:r>
-                      <a:endParaRPr lang="de-DE" dirty="0"/>
-                    </a:p>
-                  </a:txBody>
-                  <a:tcPr/>
-                </a:tc>
-                <a:tc>
-                  <a:txBody>
-                    <a:bodyPr/>
-                    <a:lstStyle/>
-                    <a:p>
-                      <a:r>
-                        <a:rPr lang="de-DE" dirty="0" smtClean="0"/>
-                        <a:t>-Konzept Navigation</a:t>
-                      </a:r>
-                    </a:p>
-                    <a:p>
-                      <a:endParaRPr lang="de-DE" dirty="0"/>
-                    </a:p>
-                  </a:txBody>
-                  <a:tcPr/>
-                </a:tc>
-                <a:tc>
-                  <a:txBody>
-                    <a:bodyPr/>
-                    <a:lstStyle/>
-                    <a:p>
-                      <a:r>
-                        <a:rPr lang="de-DE" dirty="0" smtClean="0"/>
-                        <a:t>-Konzept Kollision</a:t>
-                      </a:r>
-                    </a:p>
-                    <a:p>
-                      <a:endParaRPr lang="de-DE" dirty="0"/>
-                    </a:p>
-                  </a:txBody>
-                  <a:tcPr/>
-                </a:tc>
-              </a:tr>
-              <a:tr h="370840">
-                <a:tc>
-                  <a:txBody>
-                    <a:bodyPr/>
-                    <a:lstStyle/>
-                    <a:p>
-                      <a:r>
-                        <a:rPr lang="de-DE" dirty="0" smtClean="0"/>
-                        <a:t>Bis zum</a:t>
-                      </a:r>
-                      <a:r>
-                        <a:rPr lang="de-DE" baseline="0" dirty="0" smtClean="0"/>
-                        <a:t> 31.07.2015</a:t>
-                      </a:r>
-                      <a:endParaRPr lang="de-DE" dirty="0"/>
-                    </a:p>
-                  </a:txBody>
-                  <a:tcPr/>
-                </a:tc>
-                <a:tc gridSpan="3">
-                  <a:txBody>
-                    <a:bodyPr/>
-                    <a:lstStyle/>
-                    <a:p>
-                      <a:pPr algn="ctr"/>
-                      <a:r>
-                        <a:rPr lang="de-DE" dirty="0" smtClean="0"/>
-                        <a:t>Prüfungswoche</a:t>
-                      </a:r>
-                      <a:endParaRPr lang="de-DE" dirty="0"/>
-                    </a:p>
-                  </a:txBody>
-                  <a:tcPr/>
-                </a:tc>
-                <a:tc hMerge="1">
-                  <a:txBody>
-                    <a:bodyPr/>
-                    <a:lstStyle/>
-                    <a:p>
-                      <a:endParaRPr lang="de-DE" dirty="0"/>
-                    </a:p>
-                  </a:txBody>
-                  <a:tcPr/>
-                </a:tc>
-                <a:tc hMerge="1">
-                  <a:txBody>
-                    <a:bodyPr/>
-                    <a:lstStyle/>
-                    <a:p>
-                      <a:endParaRPr lang="de-DE" dirty="0"/>
-                    </a:p>
-                  </a:txBody>
-                  <a:tcPr/>
-                </a:tc>
-              </a:tr>
-              <a:tr h="370840">
-                <a:tc>
-                  <a:txBody>
-                    <a:bodyPr/>
-                    <a:lstStyle/>
-                    <a:p>
-                      <a:r>
-                        <a:rPr lang="de-DE" dirty="0" smtClean="0"/>
-                        <a:t>06.09.2015</a:t>
-                      </a:r>
-                      <a:endParaRPr lang="de-DE" dirty="0"/>
-                    </a:p>
-                  </a:txBody>
-                  <a:tcPr/>
-                </a:tc>
-                <a:tc>
-                  <a:txBody>
-                    <a:bodyPr/>
-                    <a:lstStyle/>
-                    <a:p>
-                      <a:r>
-                        <a:rPr lang="de-DE" dirty="0" smtClean="0"/>
-                        <a:t>-Umsetzung der Interaktion</a:t>
-                      </a:r>
-                      <a:r>
-                        <a:rPr lang="de-DE" baseline="0" dirty="0" smtClean="0"/>
-                        <a:t> </a:t>
-                      </a:r>
-                    </a:p>
-                    <a:p>
-                      <a:r>
-                        <a:rPr lang="de-DE" baseline="0" dirty="0" smtClean="0"/>
-                        <a:t>- Kameraführung</a:t>
-                      </a:r>
-                    </a:p>
-                    <a:p>
-                      <a:r>
-                        <a:rPr lang="de-DE" baseline="0" dirty="0" smtClean="0"/>
-                        <a:t>-Konzept für das Essen</a:t>
-                      </a:r>
-                      <a:endParaRPr lang="de-DE" dirty="0" smtClean="0"/>
-                    </a:p>
-                  </a:txBody>
-                  <a:tcPr/>
-                </a:tc>
-                <a:tc>
-                  <a:txBody>
-                    <a:bodyPr/>
-                    <a:lstStyle/>
-                    <a:p>
-                      <a:r>
-                        <a:rPr lang="de-DE" dirty="0" smtClean="0"/>
-                        <a:t>-Umsetzung</a:t>
-                      </a:r>
-                      <a:r>
-                        <a:rPr lang="de-DE" baseline="0" dirty="0" smtClean="0"/>
-                        <a:t> der Navigation und Steuerung</a:t>
-                      </a:r>
-                    </a:p>
-                    <a:p>
-                      <a:r>
-                        <a:rPr lang="de-DE" baseline="0" dirty="0" smtClean="0"/>
-                        <a:t>-Konzept Highscore</a:t>
-                      </a:r>
-                    </a:p>
-                    <a:p>
-                      <a:endParaRPr lang="de-DE" dirty="0"/>
-                    </a:p>
-                  </a:txBody>
-                  <a:tcPr/>
-                </a:tc>
-                <a:tc>
-                  <a:txBody>
-                    <a:bodyPr/>
-                    <a:lstStyle/>
-                    <a:p>
-                      <a:r>
-                        <a:rPr lang="de-DE" dirty="0" smtClean="0"/>
-                        <a:t>-Umsetzung der Kollision</a:t>
-                      </a:r>
-                    </a:p>
-                    <a:p>
-                      <a:r>
-                        <a:rPr lang="de-DE" dirty="0" smtClean="0"/>
-                        <a:t>  -Schlange</a:t>
-                      </a:r>
-                    </a:p>
-                    <a:p>
-                      <a:r>
-                        <a:rPr lang="de-DE" dirty="0" smtClean="0"/>
-                        <a:t>  - Wände</a:t>
-                      </a:r>
-                    </a:p>
-                    <a:p>
-                      <a:r>
-                        <a:rPr lang="de-DE" dirty="0" smtClean="0"/>
-                        <a:t>  - Essen</a:t>
-                      </a:r>
-                      <a:endParaRPr lang="de-DE" dirty="0"/>
-                    </a:p>
-                  </a:txBody>
-                  <a:tcPr/>
-                </a:tc>
-              </a:tr>
-              <a:tr h="370840">
-                <a:tc>
-                  <a:txBody>
-                    <a:bodyPr/>
-                    <a:lstStyle/>
-                    <a:p>
-                      <a:r>
-                        <a:rPr lang="de-DE" dirty="0" smtClean="0"/>
-                        <a:t>02.10.2015</a:t>
-                      </a:r>
-                      <a:endParaRPr lang="de-DE" dirty="0"/>
-                    </a:p>
-                  </a:txBody>
-                  <a:tcPr/>
-                </a:tc>
-                <a:tc>
-                  <a:txBody>
-                    <a:bodyPr/>
-                    <a:lstStyle/>
-                    <a:p>
-                      <a:r>
-                        <a:rPr lang="de-DE" dirty="0" smtClean="0"/>
-                        <a:t>-Umsetzung des Essens </a:t>
-                      </a:r>
-                    </a:p>
-                    <a:p>
-                      <a:r>
-                        <a:rPr lang="de-DE" dirty="0" smtClean="0"/>
-                        <a:t>-Bugfixing</a:t>
-                      </a:r>
-                    </a:p>
-                  </a:txBody>
-                  <a:tcPr/>
-                </a:tc>
-                <a:tc>
-                  <a:txBody>
-                    <a:bodyPr/>
-                    <a:lstStyle/>
-                    <a:p>
-                      <a:r>
-                        <a:rPr lang="de-DE" dirty="0" smtClean="0"/>
-                        <a:t>-Umsetzung</a:t>
-                      </a:r>
-                      <a:r>
-                        <a:rPr lang="de-DE" baseline="0" dirty="0" smtClean="0"/>
-                        <a:t> Highscore</a:t>
-                      </a:r>
-                    </a:p>
-                    <a:p>
-                      <a:r>
-                        <a:rPr lang="de-DE" baseline="0" dirty="0" smtClean="0"/>
-                        <a:t>-Bugfixing</a:t>
-                      </a:r>
-                      <a:endParaRPr lang="de-DE" dirty="0"/>
-                    </a:p>
-                  </a:txBody>
-                  <a:tcPr/>
-                </a:tc>
-                <a:tc>
-                  <a:txBody>
-                    <a:bodyPr/>
-                    <a:lstStyle/>
-                    <a:p>
-                      <a:r>
-                        <a:rPr lang="de-DE" dirty="0" smtClean="0"/>
-                        <a:t>-Menü, Anleitung,  Portal</a:t>
-                      </a:r>
-                    </a:p>
-                    <a:p>
-                      <a:r>
-                        <a:rPr lang="de-DE" dirty="0" smtClean="0"/>
-                        <a:t>-Finale Präsentation</a:t>
-                      </a:r>
-                      <a:endParaRPr lang="de-DE" dirty="0"/>
-                    </a:p>
-                  </a:txBody>
-                  <a:tcPr/>
-                </a:tc>
-              </a:tr>
-            </a:tbl>
-          </a:graphicData>
-        </a:graphic>
-      </p:graphicFrame>
-      <p:sp>
-        <p:nvSpPr>
-          <p:cNvPr id="4" name="Fußzeilenplatzhalter 3"/>
+          </p:nvPr>
+        </p:nvSpPr>
+        <p:spPr/>
+        <p:txBody>
+          <a:bodyPr>
+            <a:normAutofit fontScale="70000" lnSpcReduction="20000"/>
+          </a:bodyPr>
+          <a:lstStyle/>
+          <a:p>
+            <a:r>
+              <a:rPr lang="de-DE" dirty="0" smtClean="0"/>
+              <a:t>Three.js nicht verstehen</a:t>
+            </a:r>
+          </a:p>
+          <a:p>
+            <a:r>
+              <a:rPr lang="de-DE" dirty="0" smtClean="0"/>
+              <a:t>Fehler in der Programmierung</a:t>
+            </a:r>
+          </a:p>
+          <a:p>
+            <a:pPr marL="0" indent="0">
+              <a:buNone/>
+            </a:pPr>
+            <a:r>
+              <a:rPr lang="de-DE" dirty="0"/>
+              <a:t> </a:t>
+            </a:r>
+            <a:r>
+              <a:rPr lang="de-DE" dirty="0" smtClean="0"/>
+              <a:t>	- Steuerung nicht auf Modelle übertragbar</a:t>
+            </a:r>
+          </a:p>
+          <a:p>
+            <a:pPr marL="0" indent="0">
+              <a:buNone/>
+            </a:pPr>
+            <a:r>
+              <a:rPr lang="de-DE" dirty="0" smtClean="0"/>
+              <a:t>	- Modelle können nicht eingebunden werden</a:t>
+            </a:r>
+          </a:p>
+          <a:p>
+            <a:pPr marL="0" indent="0">
+              <a:buNone/>
+            </a:pPr>
+            <a:r>
+              <a:rPr lang="de-DE" dirty="0"/>
+              <a:t>	</a:t>
+            </a:r>
+            <a:r>
+              <a:rPr lang="de-DE" dirty="0" smtClean="0"/>
+              <a:t>- Steuerung und Kollision können nicht miteinander 	</a:t>
+            </a:r>
+          </a:p>
+          <a:p>
+            <a:pPr marL="0" indent="0">
+              <a:buNone/>
+            </a:pPr>
+            <a:r>
+              <a:rPr lang="de-DE" dirty="0"/>
+              <a:t>	</a:t>
+            </a:r>
+            <a:r>
+              <a:rPr lang="de-DE" dirty="0" smtClean="0"/>
+              <a:t>  interagieren</a:t>
+            </a:r>
+          </a:p>
+          <a:p>
+            <a:pPr marL="0" indent="0">
+              <a:buNone/>
+            </a:pPr>
+            <a:r>
+              <a:rPr lang="de-DE" dirty="0"/>
+              <a:t>	</a:t>
+            </a:r>
+            <a:r>
+              <a:rPr lang="de-DE" dirty="0" smtClean="0"/>
+              <a:t>- Abhängigkeiten anderer Arbeitspakete</a:t>
+            </a:r>
+          </a:p>
+          <a:p>
+            <a:r>
+              <a:rPr lang="de-DE" dirty="0" smtClean="0"/>
+              <a:t>Gruppendemotivation</a:t>
+            </a:r>
+          </a:p>
+          <a:p>
+            <a:r>
+              <a:rPr lang="de-DE" dirty="0" smtClean="0"/>
+              <a:t>Überschätzung</a:t>
+            </a:r>
+          </a:p>
+          <a:p>
+            <a:pPr marL="0" indent="0">
+              <a:buNone/>
+            </a:pPr>
+            <a:r>
+              <a:rPr lang="de-DE" dirty="0"/>
+              <a:t>	</a:t>
+            </a:r>
+            <a:r>
+              <a:rPr lang="de-DE" dirty="0" smtClean="0"/>
+              <a:t>-Termine können nicht eingehalten werden</a:t>
+            </a:r>
+          </a:p>
+          <a:p>
+            <a:r>
+              <a:rPr lang="de-DE" dirty="0" smtClean="0"/>
+              <a:t>Technikausfall</a:t>
+            </a:r>
+          </a:p>
+          <a:p>
+            <a:r>
+              <a:rPr lang="de-DE" dirty="0" smtClean="0"/>
+              <a:t>Krankheitsausfälle</a:t>
+            </a:r>
+          </a:p>
+          <a:p>
+            <a:r>
+              <a:rPr lang="de-DE" dirty="0" smtClean="0"/>
+              <a:t>Schönes Wetter </a:t>
+            </a:r>
+            <a:endParaRPr lang="de-DE" dirty="0"/>
+          </a:p>
+        </p:txBody>
+      </p:sp>
+      <p:sp>
+        <p:nvSpPr>
+          <p:cNvPr id="5" name="Foliennummernplatzhalter 4"/>
+          <p:cNvSpPr>
+            <a:spLocks noGrp="1"/>
+          </p:cNvSpPr>
+          <p:nvPr>
+            <p:ph type="sldNum" sz="quarter" idx="12"/>
+          </p:nvPr>
+        </p:nvSpPr>
+        <p:spPr/>
+        <p:txBody>
+          <a:bodyPr/>
+          <a:lstStyle/>
+          <a:p>
+            <a:fld id="{8C23CA4F-E948-324D-AE99-93DD634CB28D}" type="slidenum">
+              <a:rPr lang="de-DE" smtClean="0"/>
+              <a:t>5</a:t>
+            </a:fld>
+            <a:endParaRPr lang="de-DE"/>
+          </a:p>
+        </p:txBody>
+      </p:sp>
+      <p:sp>
+        <p:nvSpPr>
+          <p:cNvPr id="6" name="Fußzeilenplatzhalter 5"/>
           <p:cNvSpPr>
             <a:spLocks noGrp="1"/>
           </p:cNvSpPr>
@@ -5914,1384 +5024,26 @@
           <a:bodyPr/>
           <a:lstStyle/>
           <a:p>
-            <a:endParaRPr lang="de-DE"/>
-          </a:p>
-        </p:txBody>
-      </p:sp>
-      <p:sp>
-        <p:nvSpPr>
-          <p:cNvPr id="5" name="Foliennummernplatzhalter 4"/>
-          <p:cNvSpPr>
-            <a:spLocks noGrp="1"/>
-          </p:cNvSpPr>
-          <p:nvPr>
-            <p:ph type="sldNum" sz="quarter" idx="12"/>
-          </p:nvPr>
-        </p:nvSpPr>
-        <p:spPr/>
-        <p:txBody>
-          <a:bodyPr/>
-          <a:lstStyle/>
-          <a:p>
-            <a:fld id="{8C23CA4F-E948-324D-AE99-93DD634CB28D}" type="slidenum">
-              <a:rPr lang="de-DE" smtClean="0"/>
-              <a:t>6</a:t>
+            <a:r>
+              <a:rPr lang="de-DE" dirty="0" smtClean="0"/>
+              <a:t>Seite </a:t>
+            </a:r>
+            <a:fld id="{0A097ED9-F555-3646-97DF-32BC18C12F43}" type="slidenum">
+              <a:rPr lang="de-DE" smtClean="0"/>
+              <a:t>5</a:t>
             </a:fld>
-            <a:endParaRPr lang="de-DE"/>
+            <a:r>
+              <a:rPr lang="de-DE" dirty="0" smtClean="0"/>
+              <a:t> von </a:t>
+            </a:r>
+            <a:endParaRPr lang="de-DE" dirty="0"/>
           </a:p>
         </p:txBody>
       </p:sp>
     </p:spTree>
     <p:extLst>
       <p:ext uri="{BB962C8B-B14F-4D97-AF65-F5344CB8AC3E}">
-        <p14:creationId xmlns:p14="http://schemas.microsoft.com/office/powerpoint/2010/main" val="3508111019"/>
-      </p:ext>
-    </p:extLst>
-  </p:cSld>
-  <p:clrMapOvr>
-    <a:masterClrMapping/>
-  </p:clrMapOvr>
-</p:sld>
-</file>
-
-<file path=ppt/slides/slide7.xml><?xml version="1.0" encoding="utf-8"?>
-<p:sld xmlns:a="http://schemas.openxmlformats.org/drawingml/2006/main" xmlns:r="http://schemas.openxmlformats.org/officeDocument/2006/relationships" xmlns:p="http://schemas.openxmlformats.org/presentationml/2006/main">
-  <p:cSld>
-    <p:spTree>
-      <p:nvGrpSpPr>
-        <p:cNvPr id="1" name=""/>
-        <p:cNvGrpSpPr/>
-        <p:nvPr/>
-      </p:nvGrpSpPr>
-      <p:grpSpPr>
-        <a:xfrm>
-          <a:off x="0" y="0"/>
-          <a:ext cx="0" cy="0"/>
-          <a:chOff x="0" y="0"/>
-          <a:chExt cx="0" cy="0"/>
-        </a:xfrm>
-      </p:grpSpPr>
-      <p:sp>
-        <p:nvSpPr>
-          <p:cNvPr id="2" name="Titel 1"/>
-          <p:cNvSpPr>
-            <a:spLocks noGrp="1"/>
-          </p:cNvSpPr>
-          <p:nvPr>
-            <p:ph type="title"/>
-          </p:nvPr>
-        </p:nvSpPr>
-        <p:spPr/>
-        <p:txBody>
-          <a:bodyPr/>
-          <a:lstStyle/>
-          <a:p>
-            <a:r>
-              <a:rPr lang="de-DE" dirty="0" smtClean="0"/>
-              <a:t>1 Meilenstein</a:t>
-            </a:r>
-            <a:endParaRPr lang="de-DE" dirty="0"/>
-          </a:p>
-        </p:txBody>
-      </p:sp>
-      <p:graphicFrame>
-        <p:nvGraphicFramePr>
-          <p:cNvPr id="6" name="Inhaltsplatzhalter 5"/>
-          <p:cNvGraphicFramePr>
-            <a:graphicFrameLocks noGrp="1"/>
-          </p:cNvGraphicFramePr>
-          <p:nvPr>
-            <p:ph idx="1"/>
-            <p:extLst>
-              <p:ext uri="{D42A27DB-BD31-4B8C-83A1-F6EECF244321}">
-                <p14:modId xmlns:p14="http://schemas.microsoft.com/office/powerpoint/2010/main" val="2184316949"/>
-              </p:ext>
-            </p:extLst>
-          </p:nvPr>
-        </p:nvGraphicFramePr>
-        <p:xfrm>
-          <a:off x="658426" y="1600200"/>
-          <a:ext cx="7812309" cy="3215640"/>
-        </p:xfrm>
-        <a:graphic>
-          <a:graphicData uri="http://schemas.openxmlformats.org/drawingml/2006/table">
-            <a:tbl>
-              <a:tblPr firstRow="1" bandRow="1">
-                <a:tableStyleId>{5C22544A-7EE6-4342-B048-85BDC9FD1C3A}</a:tableStyleId>
-              </a:tblPr>
-              <a:tblGrid>
-                <a:gridCol w="1356947"/>
-                <a:gridCol w="2150425"/>
-                <a:gridCol w="2247537"/>
-                <a:gridCol w="2057400"/>
-              </a:tblGrid>
-              <a:tr h="370840">
-                <a:tc>
-                  <a:txBody>
-                    <a:bodyPr/>
-                    <a:lstStyle/>
-                    <a:p>
-                      <a:r>
-                        <a:rPr lang="de-DE" dirty="0" smtClean="0"/>
-                        <a:t>Termin</a:t>
-                      </a:r>
-                      <a:endParaRPr lang="de-DE" dirty="0"/>
-                    </a:p>
-                  </a:txBody>
-                  <a:tcPr/>
-                </a:tc>
-                <a:tc>
-                  <a:txBody>
-                    <a:bodyPr/>
-                    <a:lstStyle/>
-                    <a:p>
-                      <a:r>
-                        <a:rPr lang="de-DE" dirty="0" smtClean="0"/>
-                        <a:t>Ramón Wilhelm</a:t>
-                      </a:r>
-                      <a:endParaRPr lang="de-DE" dirty="0"/>
-                    </a:p>
-                  </a:txBody>
-                  <a:tcPr/>
-                </a:tc>
-                <a:tc>
-                  <a:txBody>
-                    <a:bodyPr/>
-                    <a:lstStyle/>
-                    <a:p>
-                      <a:r>
-                        <a:rPr lang="de-DE" dirty="0" smtClean="0"/>
-                        <a:t>Meltem </a:t>
-                      </a:r>
-                      <a:r>
-                        <a:rPr lang="de-DE" dirty="0" err="1" smtClean="0"/>
-                        <a:t>Özkul</a:t>
-                      </a:r>
-                      <a:endParaRPr lang="de-DE" dirty="0"/>
-                    </a:p>
-                  </a:txBody>
-                  <a:tcPr/>
-                </a:tc>
-                <a:tc>
-                  <a:txBody>
-                    <a:bodyPr/>
-                    <a:lstStyle/>
-                    <a:p>
-                      <a:r>
-                        <a:rPr lang="de-DE" dirty="0" smtClean="0"/>
-                        <a:t>Katharina Kahlert</a:t>
-                      </a:r>
-                      <a:endParaRPr lang="de-DE" dirty="0"/>
-                    </a:p>
-                  </a:txBody>
-                  <a:tcPr/>
-                </a:tc>
-              </a:tr>
-              <a:tr h="370840">
-                <a:tc>
-                  <a:txBody>
-                    <a:bodyPr/>
-                    <a:lstStyle/>
-                    <a:p>
-                      <a:r>
-                        <a:rPr lang="de-DE" dirty="0" smtClean="0"/>
-                        <a:t>28.06.2015</a:t>
-                      </a:r>
-                      <a:endParaRPr lang="de-DE" dirty="0"/>
-                    </a:p>
-                  </a:txBody>
-                  <a:tcPr/>
-                </a:tc>
-                <a:tc gridSpan="3">
-                  <a:txBody>
-                    <a:bodyPr/>
-                    <a:lstStyle/>
-                    <a:p>
-                      <a:pPr algn="ctr"/>
-                      <a:r>
-                        <a:rPr lang="de-DE" dirty="0" err="1" smtClean="0"/>
-                        <a:t>Three.js</a:t>
-                      </a:r>
-                      <a:r>
-                        <a:rPr lang="de-DE" dirty="0" smtClean="0"/>
-                        <a:t> verstehen</a:t>
-                      </a:r>
-                      <a:endParaRPr lang="de-DE" dirty="0"/>
-                    </a:p>
-                  </a:txBody>
-                  <a:tcPr/>
-                </a:tc>
-                <a:tc hMerge="1">
-                  <a:txBody>
-                    <a:bodyPr/>
-                    <a:lstStyle/>
-                    <a:p>
-                      <a:endParaRPr lang="de-DE"/>
-                    </a:p>
-                  </a:txBody>
-                  <a:tcPr/>
-                </a:tc>
-                <a:tc hMerge="1">
-                  <a:txBody>
-                    <a:bodyPr/>
-                    <a:lstStyle/>
-                    <a:p>
-                      <a:endParaRPr lang="de-DE" dirty="0"/>
-                    </a:p>
-                  </a:txBody>
-                  <a:tcPr/>
-                </a:tc>
-              </a:tr>
-              <a:tr h="370840">
-                <a:tc>
-                  <a:txBody>
-                    <a:bodyPr/>
-                    <a:lstStyle/>
-                    <a:p>
-                      <a:r>
-                        <a:rPr lang="de-DE" dirty="0" smtClean="0"/>
-                        <a:t>05.07.2015</a:t>
-                      </a:r>
-                      <a:endParaRPr lang="de-DE" dirty="0"/>
-                    </a:p>
-                  </a:txBody>
-                  <a:tcPr/>
-                </a:tc>
-                <a:tc>
-                  <a:txBody>
-                    <a:bodyPr/>
-                    <a:lstStyle/>
-                    <a:p>
-                      <a:r>
-                        <a:rPr lang="de-DE" dirty="0" smtClean="0"/>
-                        <a:t>Erste</a:t>
-                      </a:r>
-                      <a:r>
-                        <a:rPr lang="de-DE" baseline="0" dirty="0" smtClean="0"/>
-                        <a:t> Überlegungen</a:t>
-                      </a:r>
-                    </a:p>
-                    <a:p>
-                      <a:r>
-                        <a:rPr lang="de-DE" baseline="0" dirty="0" smtClean="0"/>
-                        <a:t> zum Spielfeld und der Schlange (</a:t>
-                      </a:r>
-                      <a:r>
-                        <a:rPr lang="de-DE" baseline="0" dirty="0" smtClean="0"/>
-                        <a:t>Grundgerüst und Spielfigur)</a:t>
-                      </a:r>
-                      <a:endParaRPr lang="de-DE" dirty="0"/>
-                    </a:p>
-                  </a:txBody>
-                  <a:tcPr/>
-                </a:tc>
-                <a:tc>
-                  <a:txBody>
-                    <a:bodyPr/>
-                    <a:lstStyle/>
-                    <a:p>
-                      <a:r>
-                        <a:rPr lang="de-DE" dirty="0" smtClean="0"/>
-                        <a:t>Erste Überlegungen zur Navigation und Steuerung</a:t>
-                      </a:r>
-                      <a:r>
-                        <a:rPr lang="de-DE" baseline="0" dirty="0" smtClean="0"/>
-                        <a:t> </a:t>
-                      </a:r>
-                      <a:endParaRPr lang="de-DE" dirty="0"/>
-                    </a:p>
-                  </a:txBody>
-                  <a:tcPr/>
-                </a:tc>
-                <a:tc>
-                  <a:txBody>
-                    <a:bodyPr/>
-                    <a:lstStyle/>
-                    <a:p>
-                      <a:r>
-                        <a:rPr lang="de-DE" dirty="0" smtClean="0"/>
-                        <a:t>Erste Überlegungen zur</a:t>
-                      </a:r>
-                      <a:r>
-                        <a:rPr lang="de-DE" baseline="0" dirty="0" smtClean="0"/>
-                        <a:t> Kollision </a:t>
-                      </a:r>
-                      <a:endParaRPr lang="de-DE" dirty="0"/>
-                    </a:p>
-                  </a:txBody>
-                  <a:tcPr/>
-                </a:tc>
-              </a:tr>
-              <a:tr h="370840">
-                <a:tc>
-                  <a:txBody>
-                    <a:bodyPr/>
-                    <a:lstStyle/>
-                    <a:p>
-                      <a:r>
-                        <a:rPr lang="de-DE" dirty="0" smtClean="0"/>
-                        <a:t>12.07.2015</a:t>
-                      </a:r>
-                      <a:endParaRPr lang="de-DE" dirty="0"/>
-                    </a:p>
-                  </a:txBody>
-                  <a:tcPr/>
-                </a:tc>
-                <a:tc gridSpan="3">
-                  <a:txBody>
-                    <a:bodyPr/>
-                    <a:lstStyle/>
-                    <a:p>
-                      <a:pPr algn="ctr"/>
-                      <a:r>
-                        <a:rPr lang="de-DE" dirty="0" smtClean="0"/>
-                        <a:t>Konzepte besprechen</a:t>
-                      </a:r>
-                      <a:endParaRPr lang="de-DE" dirty="0"/>
-                    </a:p>
-                  </a:txBody>
-                  <a:tcPr/>
-                </a:tc>
-                <a:tc hMerge="1">
-                  <a:txBody>
-                    <a:bodyPr/>
-                    <a:lstStyle/>
-                    <a:p>
-                      <a:endParaRPr lang="de-DE" dirty="0"/>
-                    </a:p>
-                  </a:txBody>
-                  <a:tcPr/>
-                </a:tc>
-                <a:tc hMerge="1">
-                  <a:txBody>
-                    <a:bodyPr/>
-                    <a:lstStyle/>
-                    <a:p>
-                      <a:endParaRPr lang="de-DE" dirty="0"/>
-                    </a:p>
-                  </a:txBody>
-                  <a:tcPr/>
-                </a:tc>
-              </a:tr>
-              <a:tr h="370840">
-                <a:tc>
-                  <a:txBody>
-                    <a:bodyPr/>
-                    <a:lstStyle/>
-                    <a:p>
-                      <a:r>
-                        <a:rPr lang="de-DE" dirty="0" smtClean="0"/>
-                        <a:t>Vom 13.07 – 31.07.2015</a:t>
-                      </a:r>
-                      <a:endParaRPr lang="de-DE" dirty="0"/>
-                    </a:p>
-                  </a:txBody>
-                  <a:tcPr/>
-                </a:tc>
-                <a:tc gridSpan="3">
-                  <a:txBody>
-                    <a:bodyPr/>
-                    <a:lstStyle/>
-                    <a:p>
-                      <a:pPr algn="ctr"/>
-                      <a:r>
-                        <a:rPr lang="de-DE" dirty="0" smtClean="0"/>
-                        <a:t>Prüfungswochen</a:t>
-                      </a:r>
-                      <a:endParaRPr lang="de-DE" dirty="0"/>
-                    </a:p>
-                  </a:txBody>
-                  <a:tcPr/>
-                </a:tc>
-                <a:tc hMerge="1">
-                  <a:txBody>
-                    <a:bodyPr/>
-                    <a:lstStyle/>
-                    <a:p>
-                      <a:endParaRPr lang="de-DE"/>
-                    </a:p>
-                  </a:txBody>
-                  <a:tcPr/>
-                </a:tc>
-                <a:tc hMerge="1">
-                  <a:txBody>
-                    <a:bodyPr/>
-                    <a:lstStyle/>
-                    <a:p>
-                      <a:endParaRPr lang="de-DE"/>
-                    </a:p>
-                  </a:txBody>
-                  <a:tcPr/>
-                </a:tc>
-              </a:tr>
-            </a:tbl>
-          </a:graphicData>
-        </a:graphic>
-      </p:graphicFrame>
-      <p:sp>
-        <p:nvSpPr>
-          <p:cNvPr id="4" name="Fußzeilenplatzhalter 3"/>
-          <p:cNvSpPr>
-            <a:spLocks noGrp="1"/>
-          </p:cNvSpPr>
-          <p:nvPr>
-            <p:ph type="ftr" sz="quarter" idx="11"/>
-          </p:nvPr>
-        </p:nvSpPr>
-        <p:spPr/>
-        <p:txBody>
-          <a:bodyPr/>
-          <a:lstStyle/>
-          <a:p>
-            <a:endParaRPr lang="de-DE"/>
-          </a:p>
-        </p:txBody>
-      </p:sp>
-      <p:sp>
-        <p:nvSpPr>
-          <p:cNvPr id="5" name="Foliennummernplatzhalter 4"/>
-          <p:cNvSpPr>
-            <a:spLocks noGrp="1"/>
-          </p:cNvSpPr>
-          <p:nvPr>
-            <p:ph type="sldNum" sz="quarter" idx="12"/>
-          </p:nvPr>
-        </p:nvSpPr>
-        <p:spPr/>
-        <p:txBody>
-          <a:bodyPr/>
-          <a:lstStyle/>
-          <a:p>
-            <a:fld id="{8C23CA4F-E948-324D-AE99-93DD634CB28D}" type="slidenum">
-              <a:rPr lang="de-DE" smtClean="0"/>
-              <a:t>7</a:t>
-            </a:fld>
-            <a:endParaRPr lang="de-DE"/>
-          </a:p>
-        </p:txBody>
-      </p:sp>
-    </p:spTree>
-    <p:extLst>
-      <p:ext uri="{BB962C8B-B14F-4D97-AF65-F5344CB8AC3E}">
-        <p14:creationId xmlns:p14="http://schemas.microsoft.com/office/powerpoint/2010/main" val="2642451839"/>
-      </p:ext>
-    </p:extLst>
-  </p:cSld>
-  <p:clrMapOvr>
-    <a:masterClrMapping/>
-  </p:clrMapOvr>
-</p:sld>
-</file>
-
-<file path=ppt/slides/slide8.xml><?xml version="1.0" encoding="utf-8"?>
-<p:sld xmlns:a="http://schemas.openxmlformats.org/drawingml/2006/main" xmlns:r="http://schemas.openxmlformats.org/officeDocument/2006/relationships" xmlns:p="http://schemas.openxmlformats.org/presentationml/2006/main">
-  <p:cSld>
-    <p:spTree>
-      <p:nvGrpSpPr>
-        <p:cNvPr id="1" name=""/>
-        <p:cNvGrpSpPr/>
-        <p:nvPr/>
-      </p:nvGrpSpPr>
-      <p:grpSpPr>
-        <a:xfrm>
-          <a:off x="0" y="0"/>
-          <a:ext cx="0" cy="0"/>
-          <a:chOff x="0" y="0"/>
-          <a:chExt cx="0" cy="0"/>
-        </a:xfrm>
-      </p:grpSpPr>
-      <p:sp>
-        <p:nvSpPr>
-          <p:cNvPr id="2" name="Titel 1"/>
-          <p:cNvSpPr>
-            <a:spLocks noGrp="1"/>
-          </p:cNvSpPr>
-          <p:nvPr>
-            <p:ph type="title"/>
-          </p:nvPr>
-        </p:nvSpPr>
-        <p:spPr/>
-        <p:txBody>
-          <a:bodyPr/>
-          <a:lstStyle/>
-          <a:p>
-            <a:r>
-              <a:rPr lang="de-DE" dirty="0" smtClean="0"/>
-              <a:t>2 Meilenstein</a:t>
-            </a:r>
-            <a:endParaRPr lang="de-DE" dirty="0"/>
-          </a:p>
-        </p:txBody>
-      </p:sp>
-      <p:graphicFrame>
-        <p:nvGraphicFramePr>
-          <p:cNvPr id="6" name="Inhaltsplatzhalter 5"/>
-          <p:cNvGraphicFramePr>
-            <a:graphicFrameLocks noGrp="1"/>
-          </p:cNvGraphicFramePr>
-          <p:nvPr>
-            <p:ph idx="1"/>
-            <p:extLst>
-              <p:ext uri="{D42A27DB-BD31-4B8C-83A1-F6EECF244321}">
-                <p14:modId xmlns:p14="http://schemas.microsoft.com/office/powerpoint/2010/main" val="3013584268"/>
-              </p:ext>
-            </p:extLst>
-          </p:nvPr>
-        </p:nvGraphicFramePr>
-        <p:xfrm>
-          <a:off x="457200" y="1600200"/>
-          <a:ext cx="8229600" cy="3942080"/>
-        </p:xfrm>
-        <a:graphic>
-          <a:graphicData uri="http://schemas.openxmlformats.org/drawingml/2006/table">
-            <a:tbl>
-              <a:tblPr firstRow="1" bandRow="1">
-                <a:tableStyleId>{5C22544A-7EE6-4342-B048-85BDC9FD1C3A}</a:tableStyleId>
-              </a:tblPr>
-              <a:tblGrid>
-                <a:gridCol w="2057400"/>
-                <a:gridCol w="2057400"/>
-                <a:gridCol w="2057400"/>
-                <a:gridCol w="2057400"/>
-              </a:tblGrid>
-              <a:tr h="370840">
-                <a:tc>
-                  <a:txBody>
-                    <a:bodyPr/>
-                    <a:lstStyle/>
-                    <a:p>
-                      <a:r>
-                        <a:rPr lang="de-DE" dirty="0" smtClean="0"/>
-                        <a:t>Termin</a:t>
-                      </a:r>
-                      <a:endParaRPr lang="de-DE" dirty="0"/>
-                    </a:p>
-                  </a:txBody>
-                  <a:tcPr/>
-                </a:tc>
-                <a:tc>
-                  <a:txBody>
-                    <a:bodyPr/>
-                    <a:lstStyle/>
-                    <a:p>
-                      <a:r>
-                        <a:rPr lang="de-DE" dirty="0" smtClean="0"/>
-                        <a:t>Ramón</a:t>
-                      </a:r>
-                      <a:r>
-                        <a:rPr lang="de-DE" baseline="0" dirty="0" smtClean="0"/>
-                        <a:t> Wilhelm</a:t>
-                      </a:r>
-                      <a:endParaRPr lang="de-DE" dirty="0"/>
-                    </a:p>
-                  </a:txBody>
-                  <a:tcPr/>
-                </a:tc>
-                <a:tc>
-                  <a:txBody>
-                    <a:bodyPr/>
-                    <a:lstStyle/>
-                    <a:p>
-                      <a:r>
-                        <a:rPr lang="de-DE" dirty="0" smtClean="0"/>
-                        <a:t>Meltem </a:t>
-                      </a:r>
-                      <a:r>
-                        <a:rPr lang="de-DE" dirty="0" err="1" smtClean="0"/>
-                        <a:t>Özkul</a:t>
-                      </a:r>
-                      <a:endParaRPr lang="de-DE" dirty="0"/>
-                    </a:p>
-                  </a:txBody>
-                  <a:tcPr/>
-                </a:tc>
-                <a:tc>
-                  <a:txBody>
-                    <a:bodyPr/>
-                    <a:lstStyle/>
-                    <a:p>
-                      <a:r>
-                        <a:rPr lang="de-DE" dirty="0" smtClean="0"/>
-                        <a:t>Katharina</a:t>
-                      </a:r>
-                      <a:r>
-                        <a:rPr lang="de-DE" baseline="0" dirty="0" smtClean="0"/>
-                        <a:t> Kahlert</a:t>
-                      </a:r>
-                      <a:endParaRPr lang="de-DE" dirty="0"/>
-                    </a:p>
-                  </a:txBody>
-                  <a:tcPr/>
-                </a:tc>
-              </a:tr>
-              <a:tr h="370840">
-                <a:tc>
-                  <a:txBody>
-                    <a:bodyPr/>
-                    <a:lstStyle/>
-                    <a:p>
-                      <a:r>
-                        <a:rPr lang="de-DE" dirty="0" smtClean="0"/>
-                        <a:t>09.08.2015</a:t>
-                      </a:r>
-                      <a:endParaRPr lang="de-DE" dirty="0"/>
-                    </a:p>
-                  </a:txBody>
-                  <a:tcPr/>
-                </a:tc>
-                <a:tc>
-                  <a:txBody>
-                    <a:bodyPr/>
-                    <a:lstStyle/>
-                    <a:p>
-                      <a:r>
-                        <a:rPr lang="de-DE" dirty="0" smtClean="0"/>
-                        <a:t>Erste Programmierung</a:t>
-                      </a:r>
-                      <a:r>
-                        <a:rPr lang="de-DE" baseline="0" dirty="0" smtClean="0"/>
-                        <a:t> der Kamera,</a:t>
-                      </a:r>
-                    </a:p>
-                    <a:p>
-                      <a:r>
-                        <a:rPr lang="de-DE" baseline="0" dirty="0" smtClean="0"/>
-                        <a:t>Gameinteraktion</a:t>
-                      </a:r>
-                    </a:p>
-                    <a:p>
-                      <a:r>
-                        <a:rPr lang="de-DE" baseline="0" dirty="0" smtClean="0"/>
-                        <a:t> - Schlange </a:t>
-                      </a:r>
-                      <a:endParaRPr lang="de-DE" dirty="0"/>
-                    </a:p>
-                  </a:txBody>
-                  <a:tcPr/>
-                </a:tc>
-                <a:tc>
-                  <a:txBody>
-                    <a:bodyPr/>
-                    <a:lstStyle/>
-                    <a:p>
-                      <a:r>
-                        <a:rPr lang="de-DE" dirty="0" smtClean="0"/>
-                        <a:t>Erste Programmierung der </a:t>
-                      </a:r>
-                      <a:r>
-                        <a:rPr lang="de-DE" dirty="0" smtClean="0"/>
-                        <a:t>Steuerung</a:t>
-                      </a:r>
-                    </a:p>
-                    <a:p>
-                      <a:r>
-                        <a:rPr lang="de-DE" dirty="0" smtClean="0"/>
-                        <a:t>(Mit Würfel</a:t>
-                      </a:r>
-                      <a:r>
-                        <a:rPr lang="de-DE" baseline="0" dirty="0" smtClean="0"/>
-                        <a:t> als Versuchsobjekt</a:t>
-                      </a:r>
-                      <a:r>
-                        <a:rPr lang="de-DE" dirty="0" smtClean="0"/>
-                        <a:t>)</a:t>
-                      </a:r>
-                      <a:endParaRPr lang="de-DE" dirty="0"/>
-                    </a:p>
-                  </a:txBody>
-                  <a:tcPr/>
-                </a:tc>
-                <a:tc>
-                  <a:txBody>
-                    <a:bodyPr/>
-                    <a:lstStyle/>
-                    <a:p>
-                      <a:r>
-                        <a:rPr lang="de-DE" dirty="0" smtClean="0"/>
-                        <a:t>Erste Programmierung der Kollision</a:t>
-                      </a:r>
-                      <a:r>
-                        <a:rPr lang="de-DE" baseline="0" dirty="0" smtClean="0"/>
-                        <a:t> </a:t>
-                      </a:r>
-                    </a:p>
-                    <a:p>
-                      <a:r>
-                        <a:rPr lang="de-DE" baseline="0" dirty="0" smtClean="0"/>
-                        <a:t> - Wand</a:t>
-                      </a:r>
-                      <a:endParaRPr lang="de-DE" dirty="0" smtClean="0"/>
-                    </a:p>
-                  </a:txBody>
-                  <a:tcPr/>
-                </a:tc>
-              </a:tr>
-              <a:tr h="370840">
-                <a:tc>
-                  <a:txBody>
-                    <a:bodyPr/>
-                    <a:lstStyle/>
-                    <a:p>
-                      <a:r>
-                        <a:rPr lang="de-DE" dirty="0" smtClean="0"/>
-                        <a:t>23.08.2015</a:t>
-                      </a:r>
-                      <a:endParaRPr lang="de-DE" dirty="0"/>
-                    </a:p>
-                  </a:txBody>
-                  <a:tcPr/>
-                </a:tc>
-                <a:tc>
-                  <a:txBody>
-                    <a:bodyPr/>
-                    <a:lstStyle/>
-                    <a:p>
-                      <a:pPr marL="285750" indent="-285750">
-                        <a:buFontTx/>
-                        <a:buChar char="-"/>
-                      </a:pPr>
-                      <a:r>
-                        <a:rPr lang="de-DE" dirty="0" smtClean="0"/>
-                        <a:t>Programmierung fortsetzen</a:t>
-                      </a:r>
-                    </a:p>
-                    <a:p>
-                      <a:pPr marL="285750" indent="-285750">
-                        <a:buFontTx/>
-                        <a:buChar char="-"/>
-                      </a:pPr>
-                      <a:r>
-                        <a:rPr lang="de-DE" dirty="0" smtClean="0"/>
-                        <a:t>Erste Überlegungen zum Essen/Wachsen</a:t>
-                      </a:r>
-                      <a:endParaRPr lang="de-DE" dirty="0"/>
-                    </a:p>
-                  </a:txBody>
-                  <a:tcPr/>
-                </a:tc>
-                <a:tc>
-                  <a:txBody>
-                    <a:bodyPr/>
-                    <a:lstStyle/>
-                    <a:p>
-                      <a:pPr marL="285750" indent="-285750">
-                        <a:buFontTx/>
-                        <a:buChar char="-"/>
-                      </a:pPr>
-                      <a:r>
-                        <a:rPr lang="de-DE" dirty="0" smtClean="0"/>
-                        <a:t>Programmierung</a:t>
-                      </a:r>
-                    </a:p>
-                    <a:p>
-                      <a:pPr marL="0" indent="0">
-                        <a:buFontTx/>
-                        <a:buNone/>
-                      </a:pPr>
-                      <a:r>
-                        <a:rPr lang="de-DE" dirty="0" smtClean="0"/>
-                        <a:t> fortsetzen</a:t>
-                      </a:r>
-                    </a:p>
-                    <a:p>
-                      <a:r>
-                        <a:rPr lang="de-DE" dirty="0" smtClean="0"/>
-                        <a:t>- Erste Überlegungen zum High </a:t>
-                      </a:r>
-                      <a:r>
-                        <a:rPr lang="de-DE" dirty="0" smtClean="0"/>
-                        <a:t>Score</a:t>
-                      </a:r>
-                      <a:endParaRPr lang="de-DE" dirty="0"/>
-                    </a:p>
-                  </a:txBody>
-                  <a:tcPr/>
-                </a:tc>
-                <a:tc>
-                  <a:txBody>
-                    <a:bodyPr/>
-                    <a:lstStyle/>
-                    <a:p>
-                      <a:r>
-                        <a:rPr lang="de-DE" dirty="0" smtClean="0"/>
-                        <a:t>Programmierung fortsetzen </a:t>
-                      </a:r>
-                    </a:p>
-                    <a:p>
-                      <a:r>
-                        <a:rPr lang="de-DE" dirty="0" smtClean="0"/>
-                        <a:t>   -  Schlange </a:t>
-                      </a:r>
-                    </a:p>
-                    <a:p>
-                      <a:r>
-                        <a:rPr lang="de-DE" dirty="0" smtClean="0"/>
-                        <a:t>   -</a:t>
-                      </a:r>
-                      <a:r>
-                        <a:rPr lang="de-DE" baseline="0" dirty="0" smtClean="0"/>
-                        <a:t> </a:t>
-                      </a:r>
-                      <a:r>
-                        <a:rPr lang="de-DE" dirty="0" smtClean="0"/>
-                        <a:t>Essen</a:t>
-                      </a:r>
-                      <a:endParaRPr lang="de-DE" dirty="0"/>
-                    </a:p>
-                  </a:txBody>
-                  <a:tcPr/>
-                </a:tc>
-              </a:tr>
-              <a:tr h="370840">
-                <a:tc>
-                  <a:txBody>
-                    <a:bodyPr/>
-                    <a:lstStyle/>
-                    <a:p>
-                      <a:r>
-                        <a:rPr lang="de-DE" dirty="0" smtClean="0"/>
-                        <a:t>06.09.2015 </a:t>
-                      </a:r>
-                      <a:endParaRPr lang="de-DE" dirty="0"/>
-                    </a:p>
-                  </a:txBody>
-                  <a:tcPr/>
-                </a:tc>
-                <a:tc gridSpan="3">
-                  <a:txBody>
-                    <a:bodyPr/>
-                    <a:lstStyle/>
-                    <a:p>
-                      <a:pPr marL="0" indent="0" algn="ctr">
-                        <a:buFontTx/>
-                        <a:buNone/>
-                      </a:pPr>
-                      <a:r>
-                        <a:rPr lang="de-DE" dirty="0" smtClean="0"/>
-                        <a:t>Fertigstellung</a:t>
-                      </a:r>
-                      <a:endParaRPr lang="de-DE" dirty="0"/>
-                    </a:p>
-                  </a:txBody>
-                  <a:tcPr/>
-                </a:tc>
-                <a:tc hMerge="1">
-                  <a:txBody>
-                    <a:bodyPr/>
-                    <a:lstStyle/>
-                    <a:p>
-                      <a:endParaRPr lang="de-DE" dirty="0"/>
-                    </a:p>
-                  </a:txBody>
-                  <a:tcPr/>
-                </a:tc>
-                <a:tc hMerge="1">
-                  <a:txBody>
-                    <a:bodyPr/>
-                    <a:lstStyle/>
-                    <a:p>
-                      <a:pPr marL="285750" indent="-285750">
-                        <a:buFontTx/>
-                        <a:buChar char="-"/>
-                      </a:pPr>
-                      <a:endParaRPr lang="de-DE" dirty="0"/>
-                    </a:p>
-                  </a:txBody>
-                  <a:tcPr/>
-                </a:tc>
-              </a:tr>
-            </a:tbl>
-          </a:graphicData>
-        </a:graphic>
-      </p:graphicFrame>
-      <p:sp>
-        <p:nvSpPr>
-          <p:cNvPr id="4" name="Fußzeilenplatzhalter 3"/>
-          <p:cNvSpPr>
-            <a:spLocks noGrp="1"/>
-          </p:cNvSpPr>
-          <p:nvPr>
-            <p:ph type="ftr" sz="quarter" idx="11"/>
-          </p:nvPr>
-        </p:nvSpPr>
-        <p:spPr/>
-        <p:txBody>
-          <a:bodyPr/>
-          <a:lstStyle/>
-          <a:p>
-            <a:endParaRPr lang="de-DE"/>
-          </a:p>
-        </p:txBody>
-      </p:sp>
-      <p:sp>
-        <p:nvSpPr>
-          <p:cNvPr id="5" name="Foliennummernplatzhalter 4"/>
-          <p:cNvSpPr>
-            <a:spLocks noGrp="1"/>
-          </p:cNvSpPr>
-          <p:nvPr>
-            <p:ph type="sldNum" sz="quarter" idx="12"/>
-          </p:nvPr>
-        </p:nvSpPr>
-        <p:spPr/>
-        <p:txBody>
-          <a:bodyPr/>
-          <a:lstStyle/>
-          <a:p>
-            <a:fld id="{8C23CA4F-E948-324D-AE99-93DD634CB28D}" type="slidenum">
-              <a:rPr lang="de-DE" smtClean="0"/>
-              <a:t>8</a:t>
-            </a:fld>
-            <a:endParaRPr lang="de-DE"/>
-          </a:p>
-        </p:txBody>
-      </p:sp>
-    </p:spTree>
-    <p:extLst>
-      <p:ext uri="{BB962C8B-B14F-4D97-AF65-F5344CB8AC3E}">
-        <p14:creationId xmlns:p14="http://schemas.microsoft.com/office/powerpoint/2010/main" val="1118559313"/>
-      </p:ext>
-    </p:extLst>
-  </p:cSld>
-  <p:clrMapOvr>
-    <a:masterClrMapping/>
-  </p:clrMapOvr>
-</p:sld>
-</file>
-
-<file path=ppt/slides/slide9.xml><?xml version="1.0" encoding="utf-8"?>
-<p:sld xmlns:a="http://schemas.openxmlformats.org/drawingml/2006/main" xmlns:r="http://schemas.openxmlformats.org/officeDocument/2006/relationships" xmlns:p="http://schemas.openxmlformats.org/presentationml/2006/main">
-  <p:cSld>
-    <p:spTree>
-      <p:nvGrpSpPr>
-        <p:cNvPr id="1" name=""/>
-        <p:cNvGrpSpPr/>
-        <p:nvPr/>
-      </p:nvGrpSpPr>
-      <p:grpSpPr>
-        <a:xfrm>
-          <a:off x="0" y="0"/>
-          <a:ext cx="0" cy="0"/>
-          <a:chOff x="0" y="0"/>
-          <a:chExt cx="0" cy="0"/>
-        </a:xfrm>
-      </p:grpSpPr>
-      <p:sp>
-        <p:nvSpPr>
-          <p:cNvPr id="2" name="Titel 1"/>
-          <p:cNvSpPr>
-            <a:spLocks noGrp="1"/>
-          </p:cNvSpPr>
-          <p:nvPr>
-            <p:ph type="title"/>
-          </p:nvPr>
-        </p:nvSpPr>
-        <p:spPr/>
-        <p:txBody>
-          <a:bodyPr/>
-          <a:lstStyle/>
-          <a:p>
-            <a:r>
-              <a:rPr lang="de-DE" dirty="0" smtClean="0"/>
-              <a:t>3 Meilenstein</a:t>
-            </a:r>
-            <a:endParaRPr lang="de-DE" dirty="0"/>
-          </a:p>
-        </p:txBody>
-      </p:sp>
-      <p:graphicFrame>
-        <p:nvGraphicFramePr>
-          <p:cNvPr id="6" name="Inhaltsplatzhalter 5"/>
-          <p:cNvGraphicFramePr>
-            <a:graphicFrameLocks noGrp="1"/>
-          </p:cNvGraphicFramePr>
-          <p:nvPr>
-            <p:ph idx="1"/>
-            <p:extLst>
-              <p:ext uri="{D42A27DB-BD31-4B8C-83A1-F6EECF244321}">
-                <p14:modId xmlns:p14="http://schemas.microsoft.com/office/powerpoint/2010/main" val="3997826104"/>
-              </p:ext>
-            </p:extLst>
-          </p:nvPr>
-        </p:nvGraphicFramePr>
-        <p:xfrm>
-          <a:off x="457200" y="1600200"/>
-          <a:ext cx="8229600" cy="2667000"/>
-        </p:xfrm>
-        <a:graphic>
-          <a:graphicData uri="http://schemas.openxmlformats.org/drawingml/2006/table">
-            <a:tbl>
-              <a:tblPr firstRow="1" bandRow="1">
-                <a:tableStyleId>{5C22544A-7EE6-4342-B048-85BDC9FD1C3A}</a:tableStyleId>
-              </a:tblPr>
-              <a:tblGrid>
-                <a:gridCol w="2057400"/>
-                <a:gridCol w="2057400"/>
-                <a:gridCol w="2057400"/>
-                <a:gridCol w="2057400"/>
-              </a:tblGrid>
-              <a:tr h="370840">
-                <a:tc>
-                  <a:txBody>
-                    <a:bodyPr/>
-                    <a:lstStyle/>
-                    <a:p>
-                      <a:r>
-                        <a:rPr lang="de-DE" dirty="0" smtClean="0"/>
-                        <a:t>Termin</a:t>
-                      </a:r>
-                      <a:endParaRPr lang="de-DE" dirty="0"/>
-                    </a:p>
-                  </a:txBody>
-                  <a:tcPr/>
-                </a:tc>
-                <a:tc>
-                  <a:txBody>
-                    <a:bodyPr/>
-                    <a:lstStyle/>
-                    <a:p>
-                      <a:r>
-                        <a:rPr lang="de-DE" dirty="0" smtClean="0"/>
-                        <a:t>Ramón Wilhelm</a:t>
-                      </a:r>
-                      <a:endParaRPr lang="de-DE" dirty="0"/>
-                    </a:p>
-                  </a:txBody>
-                  <a:tcPr/>
-                </a:tc>
-                <a:tc>
-                  <a:txBody>
-                    <a:bodyPr/>
-                    <a:lstStyle/>
-                    <a:p>
-                      <a:r>
-                        <a:rPr lang="de-DE" dirty="0" smtClean="0"/>
-                        <a:t>Meltem </a:t>
-                      </a:r>
-                      <a:r>
-                        <a:rPr lang="de-DE" dirty="0" err="1" smtClean="0"/>
-                        <a:t>Özkul</a:t>
-                      </a:r>
-                      <a:endParaRPr lang="de-DE" dirty="0"/>
-                    </a:p>
-                  </a:txBody>
-                  <a:tcPr/>
-                </a:tc>
-                <a:tc>
-                  <a:txBody>
-                    <a:bodyPr/>
-                    <a:lstStyle/>
-                    <a:p>
-                      <a:r>
-                        <a:rPr lang="de-DE" dirty="0" smtClean="0"/>
-                        <a:t>Katharina Kahlert</a:t>
-                      </a:r>
-                      <a:endParaRPr lang="de-DE" dirty="0"/>
-                    </a:p>
-                  </a:txBody>
-                  <a:tcPr/>
-                </a:tc>
-              </a:tr>
-              <a:tr h="370840">
-                <a:tc>
-                  <a:txBody>
-                    <a:bodyPr/>
-                    <a:lstStyle/>
-                    <a:p>
-                      <a:r>
-                        <a:rPr lang="de-DE" dirty="0" smtClean="0"/>
-                        <a:t>13.09.2015</a:t>
-                      </a:r>
-                      <a:endParaRPr lang="de-DE" dirty="0"/>
-                    </a:p>
-                  </a:txBody>
-                  <a:tcPr/>
-                </a:tc>
-                <a:tc>
-                  <a:txBody>
-                    <a:bodyPr/>
-                    <a:lstStyle/>
-                    <a:p>
-                      <a:r>
-                        <a:rPr lang="de-DE" dirty="0" smtClean="0"/>
-                        <a:t>Erste</a:t>
-                      </a:r>
-                      <a:r>
-                        <a:rPr lang="de-DE" baseline="0" dirty="0" smtClean="0"/>
-                        <a:t> Programmierung des Essens</a:t>
-                      </a:r>
-                      <a:endParaRPr lang="de-DE" dirty="0"/>
-                    </a:p>
-                  </a:txBody>
-                  <a:tcPr/>
-                </a:tc>
-                <a:tc>
-                  <a:txBody>
-                    <a:bodyPr/>
-                    <a:lstStyle/>
-                    <a:p>
-                      <a:r>
-                        <a:rPr lang="de-DE" dirty="0" smtClean="0"/>
-                        <a:t>Erste Programmierung des </a:t>
-                      </a:r>
-                      <a:r>
-                        <a:rPr lang="de-DE" dirty="0" err="1" smtClean="0"/>
-                        <a:t>High</a:t>
-                      </a:r>
-                      <a:r>
-                        <a:rPr lang="de-DE" baseline="0" dirty="0" err="1" smtClean="0"/>
-                        <a:t>scores</a:t>
-                      </a:r>
-                      <a:endParaRPr lang="de-DE" dirty="0"/>
-                    </a:p>
-                  </a:txBody>
-                  <a:tcPr/>
-                </a:tc>
-                <a:tc>
-                  <a:txBody>
-                    <a:bodyPr/>
-                    <a:lstStyle/>
-                    <a:p>
-                      <a:r>
-                        <a:rPr lang="de-DE" dirty="0" smtClean="0"/>
-                        <a:t>- Erste</a:t>
-                      </a:r>
-                      <a:r>
-                        <a:rPr lang="de-DE" baseline="0" dirty="0" smtClean="0"/>
-                        <a:t> Programmierung der Portalfunktion</a:t>
-                      </a:r>
-                      <a:endParaRPr lang="de-DE" dirty="0"/>
-                    </a:p>
-                  </a:txBody>
-                  <a:tcPr/>
-                </a:tc>
-              </a:tr>
-              <a:tr h="370840">
-                <a:tc>
-                  <a:txBody>
-                    <a:bodyPr/>
-                    <a:lstStyle/>
-                    <a:p>
-                      <a:r>
-                        <a:rPr lang="de-DE" dirty="0" smtClean="0"/>
-                        <a:t>20.09.2015</a:t>
-                      </a:r>
-                      <a:endParaRPr lang="de-DE" dirty="0"/>
-                    </a:p>
-                  </a:txBody>
-                  <a:tcPr/>
-                </a:tc>
-                <a:tc>
-                  <a:txBody>
-                    <a:bodyPr/>
-                    <a:lstStyle/>
-                    <a:p>
-                      <a:r>
-                        <a:rPr lang="de-DE" dirty="0" smtClean="0"/>
-                        <a:t>-Programmierung </a:t>
-                      </a:r>
-                    </a:p>
-                    <a:p>
-                      <a:r>
-                        <a:rPr lang="de-DE" dirty="0" smtClean="0"/>
-                        <a:t>- Erstes Bugfixing</a:t>
-                      </a:r>
-                      <a:endParaRPr lang="de-DE" dirty="0"/>
-                    </a:p>
-                  </a:txBody>
-                  <a:tcPr/>
-                </a:tc>
-                <a:tc>
-                  <a:txBody>
-                    <a:bodyPr/>
-                    <a:lstStyle/>
-                    <a:p>
-                      <a:r>
-                        <a:rPr lang="de-DE" dirty="0" smtClean="0"/>
-                        <a:t>-Programmierung </a:t>
-                      </a:r>
-                    </a:p>
-                    <a:p>
-                      <a:r>
-                        <a:rPr lang="de-DE" dirty="0" smtClean="0"/>
-                        <a:t>- Erstes Bugfixing</a:t>
-                      </a:r>
-                      <a:endParaRPr lang="de-DE" dirty="0"/>
-                    </a:p>
-                  </a:txBody>
-                  <a:tcPr/>
-                </a:tc>
-                <a:tc>
-                  <a:txBody>
-                    <a:bodyPr/>
-                    <a:lstStyle/>
-                    <a:p>
-                      <a:r>
-                        <a:rPr lang="de-DE" dirty="0" smtClean="0"/>
-                        <a:t>- Menü und Anleitung</a:t>
-                      </a:r>
-                      <a:endParaRPr lang="de-DE" dirty="0"/>
-                    </a:p>
-                  </a:txBody>
-                  <a:tcPr/>
-                </a:tc>
-              </a:tr>
-              <a:tr h="370840">
-                <a:tc>
-                  <a:txBody>
-                    <a:bodyPr/>
-                    <a:lstStyle/>
-                    <a:p>
-                      <a:r>
-                        <a:rPr lang="de-DE" dirty="0" smtClean="0"/>
-                        <a:t>27.09</a:t>
-                      </a:r>
-                      <a:endParaRPr lang="de-DE" dirty="0"/>
-                    </a:p>
-                  </a:txBody>
-                  <a:tcPr/>
-                </a:tc>
-                <a:tc gridSpan="3">
-                  <a:txBody>
-                    <a:bodyPr/>
-                    <a:lstStyle/>
-                    <a:p>
-                      <a:pPr algn="ctr"/>
-                      <a:r>
-                        <a:rPr lang="de-DE" dirty="0" smtClean="0"/>
-                        <a:t>Fertigstellung der Aufgaben</a:t>
-                      </a:r>
-                      <a:endParaRPr lang="de-DE" dirty="0"/>
-                    </a:p>
-                  </a:txBody>
-                  <a:tcPr/>
-                </a:tc>
-                <a:tc hMerge="1">
-                  <a:txBody>
-                    <a:bodyPr/>
-                    <a:lstStyle/>
-                    <a:p>
-                      <a:endParaRPr lang="de-DE" dirty="0"/>
-                    </a:p>
-                  </a:txBody>
-                  <a:tcPr/>
-                </a:tc>
-                <a:tc hMerge="1">
-                  <a:txBody>
-                    <a:bodyPr/>
-                    <a:lstStyle/>
-                    <a:p>
-                      <a:endParaRPr lang="de-DE" dirty="0"/>
-                    </a:p>
-                  </a:txBody>
-                  <a:tcPr/>
-                </a:tc>
-              </a:tr>
-              <a:tr h="370840">
-                <a:tc>
-                  <a:txBody>
-                    <a:bodyPr/>
-                    <a:lstStyle/>
-                    <a:p>
-                      <a:r>
-                        <a:rPr lang="de-DE" dirty="0" smtClean="0"/>
-                        <a:t>02.10</a:t>
-                      </a:r>
-                      <a:endParaRPr lang="de-DE" dirty="0"/>
-                    </a:p>
-                  </a:txBody>
-                  <a:tcPr/>
-                </a:tc>
-                <a:tc gridSpan="3">
-                  <a:txBody>
-                    <a:bodyPr/>
-                    <a:lstStyle/>
-                    <a:p>
-                      <a:pPr algn="ctr"/>
-                      <a:r>
-                        <a:rPr lang="de-DE" dirty="0" smtClean="0"/>
-                        <a:t>Finale</a:t>
-                      </a:r>
-                      <a:r>
-                        <a:rPr lang="de-DE" baseline="0" dirty="0" smtClean="0"/>
-                        <a:t> Präsentation</a:t>
-                      </a:r>
-                      <a:endParaRPr lang="de-DE" dirty="0"/>
-                    </a:p>
-                  </a:txBody>
-                  <a:tcPr/>
-                </a:tc>
-                <a:tc hMerge="1">
-                  <a:txBody>
-                    <a:bodyPr/>
-                    <a:lstStyle/>
-                    <a:p>
-                      <a:endParaRPr lang="de-DE" dirty="0"/>
-                    </a:p>
-                  </a:txBody>
-                  <a:tcPr/>
-                </a:tc>
-                <a:tc hMerge="1">
-                  <a:txBody>
-                    <a:bodyPr/>
-                    <a:lstStyle/>
-                    <a:p>
-                      <a:endParaRPr lang="de-DE" dirty="0"/>
-                    </a:p>
-                  </a:txBody>
-                  <a:tcPr/>
-                </a:tc>
-              </a:tr>
-            </a:tbl>
-          </a:graphicData>
-        </a:graphic>
-      </p:graphicFrame>
-      <p:sp>
-        <p:nvSpPr>
-          <p:cNvPr id="4" name="Fußzeilenplatzhalter 3"/>
-          <p:cNvSpPr>
-            <a:spLocks noGrp="1"/>
-          </p:cNvSpPr>
-          <p:nvPr>
-            <p:ph type="ftr" sz="quarter" idx="11"/>
-          </p:nvPr>
-        </p:nvSpPr>
-        <p:spPr/>
-        <p:txBody>
-          <a:bodyPr/>
-          <a:lstStyle/>
-          <a:p>
-            <a:endParaRPr lang="de-DE"/>
-          </a:p>
-        </p:txBody>
-      </p:sp>
-      <p:sp>
-        <p:nvSpPr>
-          <p:cNvPr id="5" name="Foliennummernplatzhalter 4"/>
-          <p:cNvSpPr>
-            <a:spLocks noGrp="1"/>
-          </p:cNvSpPr>
-          <p:nvPr>
-            <p:ph type="sldNum" sz="quarter" idx="12"/>
-          </p:nvPr>
-        </p:nvSpPr>
-        <p:spPr/>
-        <p:txBody>
-          <a:bodyPr/>
-          <a:lstStyle/>
-          <a:p>
-            <a:fld id="{8C23CA4F-E948-324D-AE99-93DD634CB28D}" type="slidenum">
-              <a:rPr lang="de-DE" smtClean="0"/>
-              <a:t>9</a:t>
-            </a:fld>
-            <a:endParaRPr lang="de-DE"/>
-          </a:p>
-        </p:txBody>
-      </p:sp>
-    </p:spTree>
-    <p:extLst>
-      <p:ext uri="{BB962C8B-B14F-4D97-AF65-F5344CB8AC3E}">
-        <p14:creationId xmlns:p14="http://schemas.microsoft.com/office/powerpoint/2010/main" val="3796471960"/>
+        <p14:creationId xmlns:p14="http://schemas.microsoft.com/office/powerpoint/2010/main" val="4110109473"/>
       </p:ext>
     </p:extLst>
   </p:cSld>

--- a/Planungspraesentation-Mitte Juni/Planungspräsentation VálaKathi. 1.pptx
+++ b/Planungspraesentation-Mitte Juni/Planungspräsentation VálaKathi. 1.pptx
@@ -5,17 +5,18 @@
     <p:sldMasterId id="2147483648" r:id="rId1"/>
   </p:sldMasterIdLst>
   <p:notesMasterIdLst>
-    <p:notesMasterId r:id="rId7"/>
+    <p:notesMasterId r:id="rId8"/>
   </p:notesMasterIdLst>
   <p:handoutMasterIdLst>
-    <p:handoutMasterId r:id="rId8"/>
+    <p:handoutMasterId r:id="rId9"/>
   </p:handoutMasterIdLst>
   <p:sldIdLst>
     <p:sldId id="257" r:id="rId2"/>
     <p:sldId id="258" r:id="rId3"/>
     <p:sldId id="259" r:id="rId4"/>
     <p:sldId id="270" r:id="rId5"/>
-    <p:sldId id="264" r:id="rId6"/>
+    <p:sldId id="271" r:id="rId6"/>
+    <p:sldId id="264" r:id="rId7"/>
   </p:sldIdLst>
   <p:sldSz cx="9144000" cy="6858000" type="screen4x3"/>
   <p:notesSz cx="6858000" cy="9144000"/>
@@ -215,7 +216,7 @@
           <a:p>
             <a:fld id="{B4FF162B-CE6F-6948-9E4E-CF339F017EF0}" type="datetime1">
               <a:rPr lang="de-DE" smtClean="0"/>
-              <a:t>30.06.2015</a:t>
+              <a:t>01.07.2015</a:t>
             </a:fld>
             <a:endParaRPr lang="de-DE"/>
           </a:p>
@@ -381,7 +382,7 @@
           <a:p>
             <a:fld id="{F8F687C1-49B9-FC43-A5F5-4E2CAE8623DA}" type="datetime1">
               <a:rPr lang="de-DE" smtClean="0"/>
-              <a:t>30.06.2015</a:t>
+              <a:t>01.07.2015</a:t>
             </a:fld>
             <a:endParaRPr lang="de-DE"/>
           </a:p>
@@ -831,7 +832,7 @@
           <a:p>
             <a:fld id="{1DACE3BB-339C-AD47-A52D-662320F7C205}" type="datetime1">
               <a:rPr lang="de-DE" smtClean="0"/>
-              <a:t>30.06.2015</a:t>
+              <a:t>01.07.2015</a:t>
             </a:fld>
             <a:endParaRPr lang="de-DE"/>
           </a:p>
@@ -1001,7 +1002,7 @@
           <a:p>
             <a:fld id="{F42559F4-B3EB-344D-B633-69F007223D30}" type="datetime1">
               <a:rPr lang="de-DE" smtClean="0"/>
-              <a:t>30.06.2015</a:t>
+              <a:t>01.07.2015</a:t>
             </a:fld>
             <a:endParaRPr lang="de-DE"/>
           </a:p>
@@ -1181,7 +1182,7 @@
           <a:p>
             <a:fld id="{42AF2205-F992-9F41-987F-7238F8B9F0B5}" type="datetime1">
               <a:rPr lang="de-DE" smtClean="0"/>
-              <a:t>30.06.2015</a:t>
+              <a:t>01.07.2015</a:t>
             </a:fld>
             <a:endParaRPr lang="de-DE"/>
           </a:p>
@@ -1351,7 +1352,7 @@
           <a:p>
             <a:fld id="{FF84A754-A284-FB40-B909-6C25294AD20F}" type="datetime1">
               <a:rPr lang="de-DE" smtClean="0"/>
-              <a:t>30.06.2015</a:t>
+              <a:t>01.07.2015</a:t>
             </a:fld>
             <a:endParaRPr lang="de-DE"/>
           </a:p>
@@ -1597,7 +1598,7 @@
           <a:p>
             <a:fld id="{CA605955-6352-BD4C-B0F3-ECEE8C6EE720}" type="datetime1">
               <a:rPr lang="de-DE" smtClean="0"/>
-              <a:t>30.06.2015</a:t>
+              <a:t>01.07.2015</a:t>
             </a:fld>
             <a:endParaRPr lang="de-DE"/>
           </a:p>
@@ -1885,7 +1886,7 @@
           <a:p>
             <a:fld id="{C86AEEF6-0385-0844-9861-D3417F6C1E98}" type="datetime1">
               <a:rPr lang="de-DE" smtClean="0"/>
-              <a:t>30.06.2015</a:t>
+              <a:t>01.07.2015</a:t>
             </a:fld>
             <a:endParaRPr lang="de-DE"/>
           </a:p>
@@ -2307,7 +2308,7 @@
           <a:p>
             <a:fld id="{84A495D8-31AC-6141-A708-923E383D2969}" type="datetime1">
               <a:rPr lang="de-DE" smtClean="0"/>
-              <a:t>30.06.2015</a:t>
+              <a:t>01.07.2015</a:t>
             </a:fld>
             <a:endParaRPr lang="de-DE"/>
           </a:p>
@@ -2425,7 +2426,7 @@
           <a:p>
             <a:fld id="{6B9BBFBE-94A6-EE41-BDE2-C36DF8BDD6AC}" type="datetime1">
               <a:rPr lang="de-DE" smtClean="0"/>
-              <a:t>30.06.2015</a:t>
+              <a:t>01.07.2015</a:t>
             </a:fld>
             <a:endParaRPr lang="de-DE"/>
           </a:p>
@@ -2520,7 +2521,7 @@
           <a:p>
             <a:fld id="{8A3BDDF1-32E1-AA48-AD7E-B28DB9397AA4}" type="datetime1">
               <a:rPr lang="de-DE" smtClean="0"/>
-              <a:t>30.06.2015</a:t>
+              <a:t>01.07.2015</a:t>
             </a:fld>
             <a:endParaRPr lang="de-DE"/>
           </a:p>
@@ -2797,7 +2798,7 @@
           <a:p>
             <a:fld id="{BF30ED29-63A2-654D-9D7C-1CB6D6E00183}" type="datetime1">
               <a:rPr lang="de-DE" smtClean="0"/>
-              <a:t>30.06.2015</a:t>
+              <a:t>01.07.2015</a:t>
             </a:fld>
             <a:endParaRPr lang="de-DE"/>
           </a:p>
@@ -3050,7 +3051,7 @@
           <a:p>
             <a:fld id="{4FB359BF-9004-C740-93E9-376A57F77EA5}" type="datetime1">
               <a:rPr lang="de-DE" smtClean="0"/>
-              <a:t>30.06.2015</a:t>
+              <a:t>01.07.2015</a:t>
             </a:fld>
             <a:endParaRPr lang="de-DE"/>
           </a:p>
@@ -3263,7 +3264,7 @@
           <a:p>
             <a:fld id="{88615D7D-6342-384A-A16F-53E369E57F7B}" type="datetime1">
               <a:rPr lang="de-DE" smtClean="0"/>
-              <a:t>30.06.2015</a:t>
+              <a:t>01.07.2015</a:t>
             </a:fld>
             <a:endParaRPr lang="de-DE"/>
           </a:p>
@@ -4521,11 +4522,7 @@
                       </a:pPr>
                       <a:r>
                         <a:rPr lang="de-DE" dirty="0" smtClean="0"/>
-                        <a:t>Gameinteraktion </a:t>
-                      </a:r>
-                      <a:r>
-                        <a:rPr lang="de-DE" dirty="0" smtClean="0"/>
-                        <a:t>(Start/Pause)</a:t>
+                        <a:t>Gameinteraktion (Start/Pause)</a:t>
                       </a:r>
                     </a:p>
                     <a:p>
@@ -4565,7 +4562,6 @@
                         <a:rPr lang="de-DE" baseline="0" dirty="0" smtClean="0"/>
                         <a:t> </a:t>
                       </a:r>
-                      <a:endParaRPr lang="de-DE" baseline="0" dirty="0" smtClean="0"/>
                     </a:p>
                     <a:p>
                       <a:pPr marL="285750" indent="-285750">
@@ -4845,6 +4841,386 @@
           <a:p>
             <a:r>
               <a:rPr lang="de-DE" dirty="0" smtClean="0"/>
+              <a:t>Terminplanung</a:t>
+            </a:r>
+            <a:endParaRPr lang="de-DE" dirty="0"/>
+          </a:p>
+        </p:txBody>
+      </p:sp>
+      <p:graphicFrame>
+        <p:nvGraphicFramePr>
+          <p:cNvPr id="6" name="Inhaltsplatzhalter 5"/>
+          <p:cNvGraphicFramePr>
+            <a:graphicFrameLocks noGrp="1"/>
+          </p:cNvGraphicFramePr>
+          <p:nvPr>
+            <p:ph idx="1"/>
+            <p:extLst>
+              <p:ext uri="{D42A27DB-BD31-4B8C-83A1-F6EECF244321}">
+                <p14:modId xmlns:p14="http://schemas.microsoft.com/office/powerpoint/2010/main" val="4139802016"/>
+              </p:ext>
+            </p:extLst>
+          </p:nvPr>
+        </p:nvGraphicFramePr>
+        <p:xfrm>
+          <a:off x="457200" y="1600200"/>
+          <a:ext cx="8229600" cy="2966720"/>
+        </p:xfrm>
+        <a:graphic>
+          <a:graphicData uri="http://schemas.openxmlformats.org/drawingml/2006/table">
+            <a:tbl>
+              <a:tblPr firstRow="1" bandRow="1">
+                <a:tableStyleId>{5C22544A-7EE6-4342-B048-85BDC9FD1C3A}</a:tableStyleId>
+              </a:tblPr>
+              <a:tblGrid>
+                <a:gridCol w="4114800"/>
+                <a:gridCol w="4114800"/>
+              </a:tblGrid>
+              <a:tr h="370840">
+                <a:tc>
+                  <a:txBody>
+                    <a:bodyPr/>
+                    <a:lstStyle/>
+                    <a:p>
+                      <a:r>
+                        <a:rPr lang="de-DE" dirty="0" smtClean="0"/>
+                        <a:t>Zeitraum</a:t>
+                      </a:r>
+                      <a:endParaRPr lang="de-DE" dirty="0"/>
+                    </a:p>
+                  </a:txBody>
+                  <a:tcPr/>
+                </a:tc>
+                <a:tc>
+                  <a:txBody>
+                    <a:bodyPr/>
+                    <a:lstStyle/>
+                    <a:p>
+                      <a:r>
+                        <a:rPr lang="de-DE" dirty="0" smtClean="0"/>
+                        <a:t>Was</a:t>
+                      </a:r>
+                      <a:endParaRPr lang="de-DE" dirty="0"/>
+                    </a:p>
+                  </a:txBody>
+                  <a:tcPr/>
+                </a:tc>
+              </a:tr>
+              <a:tr h="370840">
+                <a:tc>
+                  <a:txBody>
+                    <a:bodyPr/>
+                    <a:lstStyle/>
+                    <a:p>
+                      <a:r>
+                        <a:rPr lang="de-DE" dirty="0" smtClean="0"/>
+                        <a:t>22.06 – 11.07</a:t>
+                      </a:r>
+                      <a:endParaRPr lang="de-DE" dirty="0"/>
+                    </a:p>
+                  </a:txBody>
+                  <a:tcPr/>
+                </a:tc>
+                <a:tc>
+                  <a:txBody>
+                    <a:bodyPr/>
+                    <a:lstStyle/>
+                    <a:p>
+                      <a:r>
+                        <a:rPr lang="de-DE" dirty="0" smtClean="0"/>
+                        <a:t>Grundgerüst (HTML), Three.js lernen</a:t>
+                      </a:r>
+                      <a:endParaRPr lang="de-DE" dirty="0"/>
+                    </a:p>
+                  </a:txBody>
+                  <a:tcPr/>
+                </a:tc>
+              </a:tr>
+              <a:tr h="370840">
+                <a:tc>
+                  <a:txBody>
+                    <a:bodyPr/>
+                    <a:lstStyle/>
+                    <a:p>
+                      <a:r>
+                        <a:rPr lang="de-DE" dirty="0" smtClean="0"/>
+                        <a:t>12.07 </a:t>
+                      </a:r>
+                      <a:endParaRPr lang="de-DE" dirty="0"/>
+                    </a:p>
+                  </a:txBody>
+                  <a:tcPr/>
+                </a:tc>
+                <a:tc>
+                  <a:txBody>
+                    <a:bodyPr/>
+                    <a:lstStyle/>
+                    <a:p>
+                      <a:r>
+                        <a:rPr lang="de-DE" dirty="0" smtClean="0"/>
+                        <a:t>1. Meilenstein</a:t>
+                      </a:r>
+                      <a:endParaRPr lang="de-DE" dirty="0"/>
+                    </a:p>
+                  </a:txBody>
+                  <a:tcPr/>
+                </a:tc>
+              </a:tr>
+              <a:tr h="370840">
+                <a:tc>
+                  <a:txBody>
+                    <a:bodyPr/>
+                    <a:lstStyle/>
+                    <a:p>
+                      <a:r>
+                        <a:rPr lang="de-DE" dirty="0" smtClean="0"/>
+                        <a:t>13.07 – 31.07</a:t>
+                      </a:r>
+                      <a:endParaRPr lang="de-DE" dirty="0"/>
+                    </a:p>
+                  </a:txBody>
+                  <a:tcPr/>
+                </a:tc>
+                <a:tc>
+                  <a:txBody>
+                    <a:bodyPr/>
+                    <a:lstStyle/>
+                    <a:p>
+                      <a:r>
+                        <a:rPr lang="de-DE" dirty="0" smtClean="0"/>
+                        <a:t>Prüfungswochen</a:t>
+                      </a:r>
+                      <a:endParaRPr lang="de-DE" dirty="0"/>
+                    </a:p>
+                  </a:txBody>
+                  <a:tcPr/>
+                </a:tc>
+              </a:tr>
+              <a:tr h="370840">
+                <a:tc>
+                  <a:txBody>
+                    <a:bodyPr/>
+                    <a:lstStyle/>
+                    <a:p>
+                      <a:r>
+                        <a:rPr lang="de-DE" dirty="0" smtClean="0"/>
+                        <a:t>01.08 – 22.08</a:t>
+                      </a:r>
+                      <a:endParaRPr lang="de-DE" dirty="0"/>
+                    </a:p>
+                  </a:txBody>
+                  <a:tcPr/>
+                </a:tc>
+                <a:tc>
+                  <a:txBody>
+                    <a:bodyPr/>
+                    <a:lstStyle/>
+                    <a:p>
+                      <a:r>
+                        <a:rPr lang="de-DE" dirty="0" smtClean="0"/>
+                        <a:t>Verketteten</a:t>
+                      </a:r>
+                      <a:r>
+                        <a:rPr lang="de-DE" baseline="0" dirty="0" smtClean="0"/>
+                        <a:t> Würfeln, Modelle</a:t>
+                      </a:r>
+                      <a:endParaRPr lang="de-DE" dirty="0"/>
+                    </a:p>
+                  </a:txBody>
+                  <a:tcPr/>
+                </a:tc>
+              </a:tr>
+              <a:tr h="370840">
+                <a:tc>
+                  <a:txBody>
+                    <a:bodyPr/>
+                    <a:lstStyle/>
+                    <a:p>
+                      <a:r>
+                        <a:rPr lang="de-DE" dirty="0" smtClean="0"/>
+                        <a:t>23.08 </a:t>
+                      </a:r>
+                      <a:endParaRPr lang="de-DE" dirty="0"/>
+                    </a:p>
+                  </a:txBody>
+                  <a:tcPr/>
+                </a:tc>
+                <a:tc>
+                  <a:txBody>
+                    <a:bodyPr/>
+                    <a:lstStyle/>
+                    <a:p>
+                      <a:r>
+                        <a:rPr lang="de-DE" dirty="0" smtClean="0"/>
+                        <a:t>2. Meilenstein</a:t>
+                      </a:r>
+                      <a:endParaRPr lang="de-DE" dirty="0"/>
+                    </a:p>
+                  </a:txBody>
+                  <a:tcPr/>
+                </a:tc>
+              </a:tr>
+              <a:tr h="370840">
+                <a:tc>
+                  <a:txBody>
+                    <a:bodyPr/>
+                    <a:lstStyle/>
+                    <a:p>
+                      <a:r>
+                        <a:rPr lang="de-DE" dirty="0" smtClean="0"/>
+                        <a:t>24.08 – 19.09</a:t>
+                      </a:r>
+                      <a:endParaRPr lang="de-DE" dirty="0"/>
+                    </a:p>
+                  </a:txBody>
+                  <a:tcPr/>
+                </a:tc>
+                <a:tc>
+                  <a:txBody>
+                    <a:bodyPr/>
+                    <a:lstStyle/>
+                    <a:p>
+                      <a:r>
+                        <a:rPr lang="de-DE" dirty="0" smtClean="0"/>
+                        <a:t>Features </a:t>
+                      </a:r>
+                      <a:r>
+                        <a:rPr lang="de-DE" dirty="0" err="1" smtClean="0"/>
+                        <a:t>and</a:t>
+                      </a:r>
+                      <a:r>
+                        <a:rPr lang="de-DE" dirty="0" smtClean="0"/>
+                        <a:t> Bugfixing</a:t>
+                      </a:r>
+                      <a:endParaRPr lang="de-DE" dirty="0"/>
+                    </a:p>
+                  </a:txBody>
+                  <a:tcPr/>
+                </a:tc>
+              </a:tr>
+              <a:tr h="370840">
+                <a:tc>
+                  <a:txBody>
+                    <a:bodyPr/>
+                    <a:lstStyle/>
+                    <a:p>
+                      <a:r>
+                        <a:rPr lang="de-DE" dirty="0" smtClean="0"/>
+                        <a:t>20.09</a:t>
+                      </a:r>
+                      <a:endParaRPr lang="de-DE" dirty="0"/>
+                    </a:p>
+                  </a:txBody>
+                  <a:tcPr/>
+                </a:tc>
+                <a:tc>
+                  <a:txBody>
+                    <a:bodyPr/>
+                    <a:lstStyle/>
+                    <a:p>
+                      <a:r>
+                        <a:rPr lang="de-DE" dirty="0" smtClean="0"/>
+                        <a:t>3. Meilenstein</a:t>
+                      </a:r>
+                      <a:endParaRPr lang="de-DE" dirty="0"/>
+                    </a:p>
+                  </a:txBody>
+                  <a:tcPr/>
+                </a:tc>
+              </a:tr>
+            </a:tbl>
+          </a:graphicData>
+        </a:graphic>
+      </p:graphicFrame>
+      <p:sp>
+        <p:nvSpPr>
+          <p:cNvPr id="4" name="Fußzeilenplatzhalter 3"/>
+          <p:cNvSpPr>
+            <a:spLocks noGrp="1"/>
+          </p:cNvSpPr>
+          <p:nvPr>
+            <p:ph type="ftr" sz="quarter" idx="11"/>
+          </p:nvPr>
+        </p:nvSpPr>
+        <p:spPr/>
+        <p:txBody>
+          <a:bodyPr/>
+          <a:lstStyle/>
+          <a:p>
+            <a:endParaRPr lang="de-DE"/>
+          </a:p>
+        </p:txBody>
+      </p:sp>
+      <p:sp>
+        <p:nvSpPr>
+          <p:cNvPr id="5" name="Foliennummernplatzhalter 4"/>
+          <p:cNvSpPr>
+            <a:spLocks noGrp="1"/>
+          </p:cNvSpPr>
+          <p:nvPr>
+            <p:ph type="sldNum" sz="quarter" idx="12"/>
+          </p:nvPr>
+        </p:nvSpPr>
+        <p:spPr/>
+        <p:txBody>
+          <a:bodyPr/>
+          <a:lstStyle/>
+          <a:p>
+            <a:fld id="{8C23CA4F-E948-324D-AE99-93DD634CB28D}" type="slidenum">
+              <a:rPr lang="de-DE" smtClean="0"/>
+              <a:t>5</a:t>
+            </a:fld>
+            <a:endParaRPr lang="de-DE"/>
+          </a:p>
+        </p:txBody>
+      </p:sp>
+    </p:spTree>
+    <p:extLst>
+      <p:ext uri="{BB962C8B-B14F-4D97-AF65-F5344CB8AC3E}">
+        <p14:creationId xmlns:p14="http://schemas.microsoft.com/office/powerpoint/2010/main" val="3698727797"/>
+      </p:ext>
+    </p:extLst>
+  </p:cSld>
+  <p:clrMapOvr>
+    <a:masterClrMapping/>
+  </p:clrMapOvr>
+</p:sld>
+</file>
+
+<file path=ppt/slides/slide6.xml><?xml version="1.0" encoding="utf-8"?>
+<p:sld xmlns:a="http://schemas.openxmlformats.org/drawingml/2006/main" xmlns:r="http://schemas.openxmlformats.org/officeDocument/2006/relationships" xmlns:p="http://schemas.openxmlformats.org/presentationml/2006/main">
+  <p:cSld>
+    <p:spTree>
+      <p:nvGrpSpPr>
+        <p:cNvPr id="1" name=""/>
+        <p:cNvGrpSpPr/>
+        <p:nvPr/>
+      </p:nvGrpSpPr>
+      <p:grpSpPr>
+        <a:xfrm>
+          <a:off x="0" y="0"/>
+          <a:ext cx="0" cy="0"/>
+          <a:chOff x="0" y="0"/>
+          <a:chExt cx="0" cy="0"/>
+        </a:xfrm>
+      </p:grpSpPr>
+      <p:sp>
+        <p:nvSpPr>
+          <p:cNvPr id="2" name="Titel 1"/>
+          <p:cNvSpPr>
+            <a:spLocks noGrp="1"/>
+          </p:cNvSpPr>
+          <p:nvPr>
+            <p:ph type="title"/>
+          </p:nvPr>
+        </p:nvSpPr>
+        <p:spPr/>
+        <p:txBody>
+          <a:bodyPr/>
+          <a:lstStyle/>
+          <a:p>
+            <a:r>
+              <a:rPr lang="de-DE" dirty="0" smtClean="0"/>
               <a:t>Risiko</a:t>
             </a:r>
             <a:endParaRPr lang="de-DE" dirty="0"/>
@@ -5003,7 +5379,7 @@
           <a:p>
             <a:fld id="{8C23CA4F-E948-324D-AE99-93DD634CB28D}" type="slidenum">
               <a:rPr lang="de-DE" smtClean="0"/>
-              <a:t>5</a:t>
+              <a:t>6</a:t>
             </a:fld>
             <a:endParaRPr lang="de-DE"/>
           </a:p>
@@ -5030,7 +5406,7 @@
             </a:r>
             <a:fld id="{0A097ED9-F555-3646-97DF-32BC18C12F43}" type="slidenum">
               <a:rPr lang="de-DE" smtClean="0"/>
-              <a:t>5</a:t>
+              <a:t>6</a:t>
             </a:fld>
             <a:r>
               <a:rPr lang="de-DE" dirty="0" smtClean="0"/>
